--- a/docs/diagrams/HighLevelSequenceDiagrams.pptx
+++ b/docs/diagrams/HighLevelSequenceDiagrams.pptx
@@ -107,6 +107,22 @@
       </a:defRPr>
     </a:lvl9pPr>
   </p:defaultTextStyle>
+  <p:extLst>
+    <p:ext uri="{EFAFB233-063F-42B5-8137-9DF3F51BA10A}">
+      <p15:sldGuideLst xmlns:p15="http://schemas.microsoft.com/office/powerpoint/2012/main">
+        <p15:guide id="1" orient="horz" pos="1488">
+          <p15:clr>
+            <a:srgbClr val="A4A3A4"/>
+          </p15:clr>
+        </p15:guide>
+        <p15:guide id="2" pos="2880">
+          <p15:clr>
+            <a:srgbClr val="A4A3A4"/>
+          </p15:clr>
+        </p15:guide>
+      </p15:sldGuideLst>
+    </p:ext>
+  </p:extLst>
 </p:presentation>
 </file>
 
@@ -192,7 +208,7 @@
           <a:p>
             <a:fld id="{F5CC4B3F-88C1-4FFA-B1B6-F41C21DC6924}" type="datetimeFigureOut">
               <a:rPr lang="en-US" smtClean="0"/>
-              <a:t>10/16/2016</a:t>
+              <a:t>3/25/2019</a:t>
             </a:fld>
             <a:endParaRPr lang="en-US"/>
           </a:p>
@@ -256,38 +272,37 @@
           <a:p>
             <a:pPr lvl="0"/>
             <a:r>
-              <a:rPr lang="en-US" smtClean="0"/>
+              <a:rPr lang="en-US"/>
               <a:t>Click to edit Master text styles</a:t>
             </a:r>
           </a:p>
           <a:p>
             <a:pPr lvl="1"/>
             <a:r>
-              <a:rPr lang="en-US" smtClean="0"/>
+              <a:rPr lang="en-US"/>
               <a:t>Second level</a:t>
             </a:r>
           </a:p>
           <a:p>
             <a:pPr lvl="2"/>
             <a:r>
-              <a:rPr lang="en-US" smtClean="0"/>
+              <a:rPr lang="en-US"/>
               <a:t>Third level</a:t>
             </a:r>
           </a:p>
           <a:p>
             <a:pPr lvl="3"/>
             <a:r>
-              <a:rPr lang="en-US" smtClean="0"/>
+              <a:rPr lang="en-US"/>
               <a:t>Fourth level</a:t>
             </a:r>
           </a:p>
           <a:p>
             <a:pPr lvl="4"/>
             <a:r>
-              <a:rPr lang="en-US" smtClean="0"/>
+              <a:rPr lang="en-US"/>
               <a:t>Fifth level</a:t>
             </a:r>
-            <a:endParaRPr lang="en-US"/>
           </a:p>
         </p:txBody>
       </p:sp>
@@ -498,10 +513,9 @@
           <a:lstStyle/>
           <a:p>
             <a:r>
-              <a:rPr lang="en-US" smtClean="0"/>
+              <a:rPr lang="en-US"/>
               <a:t>Click to edit Master title style</a:t>
             </a:r>
-            <a:endParaRPr lang="en-US"/>
           </a:p>
         </p:txBody>
       </p:sp>
@@ -617,10 +631,9 @@
           </a:lstStyle>
           <a:p>
             <a:r>
-              <a:rPr lang="en-US" smtClean="0"/>
+              <a:rPr lang="en-US"/>
               <a:t>Click to edit Master subtitle style</a:t>
             </a:r>
-            <a:endParaRPr lang="en-US"/>
           </a:p>
         </p:txBody>
       </p:sp>
@@ -641,7 +654,7 @@
           <a:p>
             <a:fld id="{78C97017-6FC3-485B-9764-EAC9E56C1D49}" type="datetimeFigureOut">
               <a:rPr lang="en-US" smtClean="0"/>
-              <a:t>10/16/2016</a:t>
+              <a:t>3/25/2019</a:t>
             </a:fld>
             <a:endParaRPr lang="en-US"/>
           </a:p>
@@ -735,10 +748,9 @@
           <a:lstStyle/>
           <a:p>
             <a:r>
-              <a:rPr lang="en-US" smtClean="0"/>
+              <a:rPr lang="en-US"/>
               <a:t>Click to edit Master title style</a:t>
             </a:r>
-            <a:endParaRPr lang="en-US"/>
           </a:p>
         </p:txBody>
       </p:sp>
@@ -759,38 +771,37 @@
           <a:p>
             <a:pPr lvl="0"/>
             <a:r>
-              <a:rPr lang="en-US" smtClean="0"/>
+              <a:rPr lang="en-US"/>
               <a:t>Click to edit Master text styles</a:t>
             </a:r>
           </a:p>
           <a:p>
             <a:pPr lvl="1"/>
             <a:r>
-              <a:rPr lang="en-US" smtClean="0"/>
+              <a:rPr lang="en-US"/>
               <a:t>Second level</a:t>
             </a:r>
           </a:p>
           <a:p>
             <a:pPr lvl="2"/>
             <a:r>
-              <a:rPr lang="en-US" smtClean="0"/>
+              <a:rPr lang="en-US"/>
               <a:t>Third level</a:t>
             </a:r>
           </a:p>
           <a:p>
             <a:pPr lvl="3"/>
             <a:r>
-              <a:rPr lang="en-US" smtClean="0"/>
+              <a:rPr lang="en-US"/>
               <a:t>Fourth level</a:t>
             </a:r>
           </a:p>
           <a:p>
             <a:pPr lvl="4"/>
             <a:r>
-              <a:rPr lang="en-US" smtClean="0"/>
+              <a:rPr lang="en-US"/>
               <a:t>Fifth level</a:t>
             </a:r>
-            <a:endParaRPr lang="en-US"/>
           </a:p>
         </p:txBody>
       </p:sp>
@@ -811,7 +822,7 @@
           <a:p>
             <a:fld id="{78C97017-6FC3-485B-9764-EAC9E56C1D49}" type="datetimeFigureOut">
               <a:rPr lang="en-US" smtClean="0"/>
-              <a:t>10/16/2016</a:t>
+              <a:t>3/25/2019</a:t>
             </a:fld>
             <a:endParaRPr lang="en-US"/>
           </a:p>
@@ -910,10 +921,9 @@
           <a:lstStyle/>
           <a:p>
             <a:r>
-              <a:rPr lang="en-US" smtClean="0"/>
+              <a:rPr lang="en-US"/>
               <a:t>Click to edit Master title style</a:t>
             </a:r>
-            <a:endParaRPr lang="en-US"/>
           </a:p>
         </p:txBody>
       </p:sp>
@@ -939,38 +949,37 @@
           <a:p>
             <a:pPr lvl="0"/>
             <a:r>
-              <a:rPr lang="en-US" smtClean="0"/>
+              <a:rPr lang="en-US"/>
               <a:t>Click to edit Master text styles</a:t>
             </a:r>
           </a:p>
           <a:p>
             <a:pPr lvl="1"/>
             <a:r>
-              <a:rPr lang="en-US" smtClean="0"/>
+              <a:rPr lang="en-US"/>
               <a:t>Second level</a:t>
             </a:r>
           </a:p>
           <a:p>
             <a:pPr lvl="2"/>
             <a:r>
-              <a:rPr lang="en-US" smtClean="0"/>
+              <a:rPr lang="en-US"/>
               <a:t>Third level</a:t>
             </a:r>
           </a:p>
           <a:p>
             <a:pPr lvl="3"/>
             <a:r>
-              <a:rPr lang="en-US" smtClean="0"/>
+              <a:rPr lang="en-US"/>
               <a:t>Fourth level</a:t>
             </a:r>
           </a:p>
           <a:p>
             <a:pPr lvl="4"/>
             <a:r>
-              <a:rPr lang="en-US" smtClean="0"/>
+              <a:rPr lang="en-US"/>
               <a:t>Fifth level</a:t>
             </a:r>
-            <a:endParaRPr lang="en-US"/>
           </a:p>
         </p:txBody>
       </p:sp>
@@ -991,7 +1000,7 @@
           <a:p>
             <a:fld id="{78C97017-6FC3-485B-9764-EAC9E56C1D49}" type="datetimeFigureOut">
               <a:rPr lang="en-US" smtClean="0"/>
-              <a:t>10/16/2016</a:t>
+              <a:t>3/25/2019</a:t>
             </a:fld>
             <a:endParaRPr lang="en-US"/>
           </a:p>
@@ -1085,10 +1094,9 @@
           <a:lstStyle/>
           <a:p>
             <a:r>
-              <a:rPr lang="en-US" smtClean="0"/>
+              <a:rPr lang="en-US"/>
               <a:t>Click to edit Master title style</a:t>
             </a:r>
-            <a:endParaRPr lang="en-US"/>
           </a:p>
         </p:txBody>
       </p:sp>
@@ -1109,38 +1117,37 @@
           <a:p>
             <a:pPr lvl="0"/>
             <a:r>
-              <a:rPr lang="en-US" smtClean="0"/>
+              <a:rPr lang="en-US"/>
               <a:t>Click to edit Master text styles</a:t>
             </a:r>
           </a:p>
           <a:p>
             <a:pPr lvl="1"/>
             <a:r>
-              <a:rPr lang="en-US" smtClean="0"/>
+              <a:rPr lang="en-US"/>
               <a:t>Second level</a:t>
             </a:r>
           </a:p>
           <a:p>
             <a:pPr lvl="2"/>
             <a:r>
-              <a:rPr lang="en-US" smtClean="0"/>
+              <a:rPr lang="en-US"/>
               <a:t>Third level</a:t>
             </a:r>
           </a:p>
           <a:p>
             <a:pPr lvl="3"/>
             <a:r>
-              <a:rPr lang="en-US" smtClean="0"/>
+              <a:rPr lang="en-US"/>
               <a:t>Fourth level</a:t>
             </a:r>
           </a:p>
           <a:p>
             <a:pPr lvl="4"/>
             <a:r>
-              <a:rPr lang="en-US" smtClean="0"/>
+              <a:rPr lang="en-US"/>
               <a:t>Fifth level</a:t>
             </a:r>
-            <a:endParaRPr lang="en-US"/>
           </a:p>
         </p:txBody>
       </p:sp>
@@ -1161,7 +1168,7 @@
           <a:p>
             <a:fld id="{78C97017-6FC3-485B-9764-EAC9E56C1D49}" type="datetimeFigureOut">
               <a:rPr lang="en-US" smtClean="0"/>
-              <a:t>10/16/2016</a:t>
+              <a:t>3/25/2019</a:t>
             </a:fld>
             <a:endParaRPr lang="en-US"/>
           </a:p>
@@ -1264,10 +1271,9 @@
           </a:lstStyle>
           <a:p>
             <a:r>
-              <a:rPr lang="en-US" smtClean="0"/>
+              <a:rPr lang="en-US"/>
               <a:t>Click to edit Master title style</a:t>
             </a:r>
-            <a:endParaRPr lang="en-US"/>
           </a:p>
         </p:txBody>
       </p:sp>
@@ -1384,7 +1390,7 @@
           <a:p>
             <a:pPr lvl="0"/>
             <a:r>
-              <a:rPr lang="en-US" smtClean="0"/>
+              <a:rPr lang="en-US"/>
               <a:t>Click to edit Master text styles</a:t>
             </a:r>
           </a:p>
@@ -1407,7 +1413,7 @@
           <a:p>
             <a:fld id="{78C97017-6FC3-485B-9764-EAC9E56C1D49}" type="datetimeFigureOut">
               <a:rPr lang="en-US" smtClean="0"/>
-              <a:t>10/16/2016</a:t>
+              <a:t>3/25/2019</a:t>
             </a:fld>
             <a:endParaRPr lang="en-US"/>
           </a:p>
@@ -1501,10 +1507,9 @@
           <a:lstStyle/>
           <a:p>
             <a:r>
-              <a:rPr lang="en-US" smtClean="0"/>
+              <a:rPr lang="en-US"/>
               <a:t>Click to edit Master title style</a:t>
             </a:r>
-            <a:endParaRPr lang="en-US"/>
           </a:p>
         </p:txBody>
       </p:sp>
@@ -1558,38 +1563,37 @@
           <a:p>
             <a:pPr lvl="0"/>
             <a:r>
-              <a:rPr lang="en-US" smtClean="0"/>
+              <a:rPr lang="en-US"/>
               <a:t>Click to edit Master text styles</a:t>
             </a:r>
           </a:p>
           <a:p>
             <a:pPr lvl="1"/>
             <a:r>
-              <a:rPr lang="en-US" smtClean="0"/>
+              <a:rPr lang="en-US"/>
               <a:t>Second level</a:t>
             </a:r>
           </a:p>
           <a:p>
             <a:pPr lvl="2"/>
             <a:r>
-              <a:rPr lang="en-US" smtClean="0"/>
+              <a:rPr lang="en-US"/>
               <a:t>Third level</a:t>
             </a:r>
           </a:p>
           <a:p>
             <a:pPr lvl="3"/>
             <a:r>
-              <a:rPr lang="en-US" smtClean="0"/>
+              <a:rPr lang="en-US"/>
               <a:t>Fourth level</a:t>
             </a:r>
           </a:p>
           <a:p>
             <a:pPr lvl="4"/>
             <a:r>
-              <a:rPr lang="en-US" smtClean="0"/>
+              <a:rPr lang="en-US"/>
               <a:t>Fifth level</a:t>
             </a:r>
-            <a:endParaRPr lang="en-US"/>
           </a:p>
         </p:txBody>
       </p:sp>
@@ -1643,38 +1647,37 @@
           <a:p>
             <a:pPr lvl="0"/>
             <a:r>
-              <a:rPr lang="en-US" smtClean="0"/>
+              <a:rPr lang="en-US"/>
               <a:t>Click to edit Master text styles</a:t>
             </a:r>
           </a:p>
           <a:p>
             <a:pPr lvl="1"/>
             <a:r>
-              <a:rPr lang="en-US" smtClean="0"/>
+              <a:rPr lang="en-US"/>
               <a:t>Second level</a:t>
             </a:r>
           </a:p>
           <a:p>
             <a:pPr lvl="2"/>
             <a:r>
-              <a:rPr lang="en-US" smtClean="0"/>
+              <a:rPr lang="en-US"/>
               <a:t>Third level</a:t>
             </a:r>
           </a:p>
           <a:p>
             <a:pPr lvl="3"/>
             <a:r>
-              <a:rPr lang="en-US" smtClean="0"/>
+              <a:rPr lang="en-US"/>
               <a:t>Fourth level</a:t>
             </a:r>
           </a:p>
           <a:p>
             <a:pPr lvl="4"/>
             <a:r>
-              <a:rPr lang="en-US" smtClean="0"/>
+              <a:rPr lang="en-US"/>
               <a:t>Fifth level</a:t>
             </a:r>
-            <a:endParaRPr lang="en-US"/>
           </a:p>
         </p:txBody>
       </p:sp>
@@ -1695,7 +1698,7 @@
           <a:p>
             <a:fld id="{78C97017-6FC3-485B-9764-EAC9E56C1D49}" type="datetimeFigureOut">
               <a:rPr lang="en-US" smtClean="0"/>
-              <a:t>10/16/2016</a:t>
+              <a:t>3/25/2019</a:t>
             </a:fld>
             <a:endParaRPr lang="en-US"/>
           </a:p>
@@ -1793,10 +1796,9 @@
           </a:lstStyle>
           <a:p>
             <a:r>
-              <a:rPr lang="en-US" smtClean="0"/>
+              <a:rPr lang="en-US"/>
               <a:t>Click to edit Master title style</a:t>
             </a:r>
-            <a:endParaRPr lang="en-US"/>
           </a:p>
         </p:txBody>
       </p:sp>
@@ -1859,7 +1861,7 @@
           <a:p>
             <a:pPr lvl="0"/>
             <a:r>
-              <a:rPr lang="en-US" smtClean="0"/>
+              <a:rPr lang="en-US"/>
               <a:t>Click to edit Master text styles</a:t>
             </a:r>
           </a:p>
@@ -1915,38 +1917,37 @@
           <a:p>
             <a:pPr lvl="0"/>
             <a:r>
-              <a:rPr lang="en-US" smtClean="0"/>
+              <a:rPr lang="en-US"/>
               <a:t>Click to edit Master text styles</a:t>
             </a:r>
           </a:p>
           <a:p>
             <a:pPr lvl="1"/>
             <a:r>
-              <a:rPr lang="en-US" smtClean="0"/>
+              <a:rPr lang="en-US"/>
               <a:t>Second level</a:t>
             </a:r>
           </a:p>
           <a:p>
             <a:pPr lvl="2"/>
             <a:r>
-              <a:rPr lang="en-US" smtClean="0"/>
+              <a:rPr lang="en-US"/>
               <a:t>Third level</a:t>
             </a:r>
           </a:p>
           <a:p>
             <a:pPr lvl="3"/>
             <a:r>
-              <a:rPr lang="en-US" smtClean="0"/>
+              <a:rPr lang="en-US"/>
               <a:t>Fourth level</a:t>
             </a:r>
           </a:p>
           <a:p>
             <a:pPr lvl="4"/>
             <a:r>
-              <a:rPr lang="en-US" smtClean="0"/>
+              <a:rPr lang="en-US"/>
               <a:t>Fifth level</a:t>
             </a:r>
-            <a:endParaRPr lang="en-US"/>
           </a:p>
         </p:txBody>
       </p:sp>
@@ -2009,7 +2010,7 @@
           <a:p>
             <a:pPr lvl="0"/>
             <a:r>
-              <a:rPr lang="en-US" smtClean="0"/>
+              <a:rPr lang="en-US"/>
               <a:t>Click to edit Master text styles</a:t>
             </a:r>
           </a:p>
@@ -2065,38 +2066,37 @@
           <a:p>
             <a:pPr lvl="0"/>
             <a:r>
-              <a:rPr lang="en-US" smtClean="0"/>
+              <a:rPr lang="en-US"/>
               <a:t>Click to edit Master text styles</a:t>
             </a:r>
           </a:p>
           <a:p>
             <a:pPr lvl="1"/>
             <a:r>
-              <a:rPr lang="en-US" smtClean="0"/>
+              <a:rPr lang="en-US"/>
               <a:t>Second level</a:t>
             </a:r>
           </a:p>
           <a:p>
             <a:pPr lvl="2"/>
             <a:r>
-              <a:rPr lang="en-US" smtClean="0"/>
+              <a:rPr lang="en-US"/>
               <a:t>Third level</a:t>
             </a:r>
           </a:p>
           <a:p>
             <a:pPr lvl="3"/>
             <a:r>
-              <a:rPr lang="en-US" smtClean="0"/>
+              <a:rPr lang="en-US"/>
               <a:t>Fourth level</a:t>
             </a:r>
           </a:p>
           <a:p>
             <a:pPr lvl="4"/>
             <a:r>
-              <a:rPr lang="en-US" smtClean="0"/>
+              <a:rPr lang="en-US"/>
               <a:t>Fifth level</a:t>
             </a:r>
-            <a:endParaRPr lang="en-US"/>
           </a:p>
         </p:txBody>
       </p:sp>
@@ -2117,7 +2117,7 @@
           <a:p>
             <a:fld id="{78C97017-6FC3-485B-9764-EAC9E56C1D49}" type="datetimeFigureOut">
               <a:rPr lang="en-US" smtClean="0"/>
-              <a:t>10/16/2016</a:t>
+              <a:t>3/25/2019</a:t>
             </a:fld>
             <a:endParaRPr lang="en-US"/>
           </a:p>
@@ -2211,10 +2211,9 @@
           <a:lstStyle/>
           <a:p>
             <a:r>
-              <a:rPr lang="en-US" smtClean="0"/>
+              <a:rPr lang="en-US"/>
               <a:t>Click to edit Master title style</a:t>
             </a:r>
-            <a:endParaRPr lang="en-US"/>
           </a:p>
         </p:txBody>
       </p:sp>
@@ -2235,7 +2234,7 @@
           <a:p>
             <a:fld id="{78C97017-6FC3-485B-9764-EAC9E56C1D49}" type="datetimeFigureOut">
               <a:rPr lang="en-US" smtClean="0"/>
-              <a:t>10/16/2016</a:t>
+              <a:t>3/25/2019</a:t>
             </a:fld>
             <a:endParaRPr lang="en-US"/>
           </a:p>
@@ -2330,7 +2329,7 @@
           <a:p>
             <a:fld id="{78C97017-6FC3-485B-9764-EAC9E56C1D49}" type="datetimeFigureOut">
               <a:rPr lang="en-US" smtClean="0"/>
-              <a:t>10/16/2016</a:t>
+              <a:t>3/25/2019</a:t>
             </a:fld>
             <a:endParaRPr lang="en-US"/>
           </a:p>
@@ -2433,10 +2432,9 @@
           </a:lstStyle>
           <a:p>
             <a:r>
-              <a:rPr lang="en-US" smtClean="0"/>
+              <a:rPr lang="en-US"/>
               <a:t>Click to edit Master title style</a:t>
             </a:r>
-            <a:endParaRPr lang="en-US"/>
           </a:p>
         </p:txBody>
       </p:sp>
@@ -2490,38 +2488,37 @@
           <a:p>
             <a:pPr lvl="0"/>
             <a:r>
-              <a:rPr lang="en-US" smtClean="0"/>
+              <a:rPr lang="en-US"/>
               <a:t>Click to edit Master text styles</a:t>
             </a:r>
           </a:p>
           <a:p>
             <a:pPr lvl="1"/>
             <a:r>
-              <a:rPr lang="en-US" smtClean="0"/>
+              <a:rPr lang="en-US"/>
               <a:t>Second level</a:t>
             </a:r>
           </a:p>
           <a:p>
             <a:pPr lvl="2"/>
             <a:r>
-              <a:rPr lang="en-US" smtClean="0"/>
+              <a:rPr lang="en-US"/>
               <a:t>Third level</a:t>
             </a:r>
           </a:p>
           <a:p>
             <a:pPr lvl="3"/>
             <a:r>
-              <a:rPr lang="en-US" smtClean="0"/>
+              <a:rPr lang="en-US"/>
               <a:t>Fourth level</a:t>
             </a:r>
           </a:p>
           <a:p>
             <a:pPr lvl="4"/>
             <a:r>
-              <a:rPr lang="en-US" smtClean="0"/>
+              <a:rPr lang="en-US"/>
               <a:t>Fifth level</a:t>
             </a:r>
-            <a:endParaRPr lang="en-US"/>
           </a:p>
         </p:txBody>
       </p:sp>
@@ -2584,7 +2581,7 @@
           <a:p>
             <a:pPr lvl="0"/>
             <a:r>
-              <a:rPr lang="en-US" smtClean="0"/>
+              <a:rPr lang="en-US"/>
               <a:t>Click to edit Master text styles</a:t>
             </a:r>
           </a:p>
@@ -2607,7 +2604,7 @@
           <a:p>
             <a:fld id="{78C97017-6FC3-485B-9764-EAC9E56C1D49}" type="datetimeFigureOut">
               <a:rPr lang="en-US" smtClean="0"/>
-              <a:t>10/16/2016</a:t>
+              <a:t>3/25/2019</a:t>
             </a:fld>
             <a:endParaRPr lang="en-US"/>
           </a:p>
@@ -2710,10 +2707,9 @@
           </a:lstStyle>
           <a:p>
             <a:r>
-              <a:rPr lang="en-US" smtClean="0"/>
+              <a:rPr lang="en-US"/>
               <a:t>Click to edit Master title style</a:t>
             </a:r>
-            <a:endParaRPr lang="en-US"/>
           </a:p>
         </p:txBody>
       </p:sp>
@@ -2837,7 +2833,7 @@
           <a:p>
             <a:pPr lvl="0"/>
             <a:r>
-              <a:rPr lang="en-US" smtClean="0"/>
+              <a:rPr lang="en-US"/>
               <a:t>Click to edit Master text styles</a:t>
             </a:r>
           </a:p>
@@ -2860,7 +2856,7 @@
           <a:p>
             <a:fld id="{78C97017-6FC3-485B-9764-EAC9E56C1D49}" type="datetimeFigureOut">
               <a:rPr lang="en-US" smtClean="0"/>
-              <a:t>10/16/2016</a:t>
+              <a:t>3/25/2019</a:t>
             </a:fld>
             <a:endParaRPr lang="en-US"/>
           </a:p>
@@ -2969,10 +2965,9 @@
           <a:lstStyle/>
           <a:p>
             <a:r>
-              <a:rPr lang="en-US" smtClean="0"/>
+              <a:rPr lang="en-US"/>
               <a:t>Click to edit Master title style</a:t>
             </a:r>
-            <a:endParaRPr lang="en-US"/>
           </a:p>
         </p:txBody>
       </p:sp>
@@ -3003,38 +2998,37 @@
           <a:p>
             <a:pPr lvl="0"/>
             <a:r>
-              <a:rPr lang="en-US" smtClean="0"/>
+              <a:rPr lang="en-US"/>
               <a:t>Click to edit Master text styles</a:t>
             </a:r>
           </a:p>
           <a:p>
             <a:pPr lvl="1"/>
             <a:r>
-              <a:rPr lang="en-US" smtClean="0"/>
+              <a:rPr lang="en-US"/>
               <a:t>Second level</a:t>
             </a:r>
           </a:p>
           <a:p>
             <a:pPr lvl="2"/>
             <a:r>
-              <a:rPr lang="en-US" smtClean="0"/>
+              <a:rPr lang="en-US"/>
               <a:t>Third level</a:t>
             </a:r>
           </a:p>
           <a:p>
             <a:pPr lvl="3"/>
             <a:r>
-              <a:rPr lang="en-US" smtClean="0"/>
+              <a:rPr lang="en-US"/>
               <a:t>Fourth level</a:t>
             </a:r>
           </a:p>
           <a:p>
             <a:pPr lvl="4"/>
             <a:r>
-              <a:rPr lang="en-US" smtClean="0"/>
+              <a:rPr lang="en-US"/>
               <a:t>Fifth level</a:t>
             </a:r>
-            <a:endParaRPr lang="en-US"/>
           </a:p>
         </p:txBody>
       </p:sp>
@@ -3073,7 +3067,7 @@
           <a:p>
             <a:fld id="{78C97017-6FC3-485B-9764-EAC9E56C1D49}" type="datetimeFigureOut">
               <a:rPr lang="en-US" smtClean="0"/>
-              <a:t>10/16/2016</a:t>
+              <a:t>3/25/2019</a:t>
             </a:fld>
             <a:endParaRPr lang="en-US"/>
           </a:p>
@@ -3492,7 +3486,7 @@
           <a:p>
             <a:pPr algn="ctr"/>
             <a:r>
-              <a:rPr lang="en-US" sz="1600" dirty="0" smtClean="0">
+              <a:rPr lang="en-US" sz="1600" dirty="0">
                 <a:solidFill>
                   <a:schemeClr val="bg1"/>
                 </a:solidFill>
@@ -3552,8 +3546,8 @@
         </p:nvSpPr>
         <p:spPr>
           <a:xfrm>
-            <a:off x="1586669" y="1322292"/>
-            <a:ext cx="152400" cy="1019910"/>
+            <a:off x="1586669" y="1322291"/>
+            <a:ext cx="150100" cy="1343827"/>
           </a:xfrm>
           <a:prstGeom prst="rect">
             <a:avLst/>
@@ -3856,7 +3850,7 @@
           <a:p>
             <a:pPr algn="ctr"/>
             <a:r>
-              <a:rPr lang="en-US" sz="1600" dirty="0" smtClean="0">
+              <a:rPr lang="en-US" sz="1600" dirty="0">
                 <a:solidFill>
                   <a:schemeClr val="bg1"/>
                 </a:solidFill>
@@ -3916,8 +3910,8 @@
         </p:nvSpPr>
         <p:spPr>
           <a:xfrm>
-            <a:off x="3810392" y="1433477"/>
-            <a:ext cx="144016" cy="832525"/>
+            <a:off x="3810392" y="1433476"/>
+            <a:ext cx="142006" cy="1156443"/>
           </a:xfrm>
           <a:prstGeom prst="rect">
             <a:avLst/>
@@ -3967,18 +3961,22 @@
         </p:nvSpPr>
         <p:spPr>
           <a:xfrm>
-            <a:off x="5316783" y="607926"/>
+            <a:off x="7786043" y="607926"/>
             <a:ext cx="1093635" cy="346760"/>
           </a:xfrm>
           <a:prstGeom prst="rect">
             <a:avLst/>
           </a:prstGeom>
           <a:solidFill>
-            <a:srgbClr val="7030A0"/>
+            <a:schemeClr val="accent6">
+              <a:lumMod val="75000"/>
+            </a:schemeClr>
           </a:solidFill>
           <a:ln w="19050">
             <a:solidFill>
-              <a:srgbClr val="7030A0"/>
+              <a:schemeClr val="accent6">
+                <a:lumMod val="75000"/>
+              </a:schemeClr>
             </a:solidFill>
           </a:ln>
           <a:effectLst/>
@@ -4003,7 +4001,7 @@
           <a:p>
             <a:pPr algn="ctr"/>
             <a:r>
-              <a:rPr lang="en-US" sz="1600" dirty="0" smtClean="0">
+              <a:rPr lang="en-US" sz="1600" dirty="0">
                 <a:solidFill>
                   <a:schemeClr val="bg1"/>
                 </a:solidFill>
@@ -4026,7 +4024,7 @@
         </p:nvCxnSpPr>
         <p:spPr>
           <a:xfrm>
-            <a:off x="5863600" y="971597"/>
+            <a:off x="8332860" y="971597"/>
             <a:ext cx="0" cy="1723059"/>
           </a:xfrm>
           <a:prstGeom prst="line">
@@ -4034,7 +4032,9 @@
           </a:prstGeom>
           <a:ln w="19050">
             <a:solidFill>
-              <a:srgbClr val="7030A0"/>
+              <a:schemeClr val="accent6">
+                <a:lumMod val="75000"/>
+              </a:schemeClr>
             </a:solidFill>
             <a:prstDash val="sysDash"/>
           </a:ln>
@@ -4063,18 +4063,22 @@
         </p:nvSpPr>
         <p:spPr>
           <a:xfrm>
-            <a:off x="5791592" y="1538408"/>
-            <a:ext cx="142006" cy="651394"/>
+            <a:off x="8260852" y="1953621"/>
+            <a:ext cx="143011" cy="577891"/>
           </a:xfrm>
           <a:prstGeom prst="rect">
             <a:avLst/>
           </a:prstGeom>
           <a:solidFill>
-            <a:srgbClr val="7030A0"/>
+            <a:schemeClr val="accent6">
+              <a:lumMod val="75000"/>
+            </a:schemeClr>
           </a:solidFill>
           <a:ln>
             <a:solidFill>
-              <a:srgbClr val="7030A0"/>
+              <a:schemeClr val="accent6">
+                <a:lumMod val="75000"/>
+              </a:schemeClr>
             </a:solidFill>
           </a:ln>
           <a:effectLst/>
@@ -4150,7 +4154,7 @@
         </p:nvSpPr>
         <p:spPr>
           <a:xfrm>
-            <a:off x="466818" y="1345880"/>
+            <a:off x="491059" y="1329668"/>
             <a:ext cx="860170" cy="215444"/>
           </a:xfrm>
           <a:prstGeom prst="rect">
@@ -4165,10 +4169,9 @@
           <a:lstStyle/>
           <a:p>
             <a:r>
-              <a:rPr lang="en-US" sz="1400" dirty="0" smtClean="0"/>
+              <a:rPr lang="en-US" sz="1400" dirty="0"/>
               <a:t>delete 1</a:t>
             </a:r>
-            <a:endParaRPr lang="en-US" sz="1400" dirty="0"/>
           </a:p>
         </p:txBody>
       </p:sp>
@@ -4216,7 +4219,7 @@
         </p:nvSpPr>
         <p:spPr>
           <a:xfrm>
-            <a:off x="2166172" y="1453379"/>
+            <a:off x="1911057" y="1183099"/>
             <a:ext cx="1424846" cy="215444"/>
           </a:xfrm>
           <a:prstGeom prst="rect">
@@ -4231,31 +4234,30 @@
           <a:lstStyle/>
           <a:p>
             <a:r>
-              <a:rPr lang="en-US" sz="1400" dirty="0" smtClean="0">
+              <a:rPr lang="en-US" sz="1400" dirty="0">
                 <a:solidFill>
-                  <a:srgbClr val="0070C0"/>
+                  <a:schemeClr val="accent3">
+                    <a:lumMod val="50000"/>
+                  </a:schemeClr>
                 </a:solidFill>
               </a:rPr>
               <a:t>execute(“delete 1”)</a:t>
             </a:r>
-            <a:endParaRPr lang="en-US" sz="1400" dirty="0">
-              <a:solidFill>
-                <a:srgbClr val="0070C0"/>
-              </a:solidFill>
-            </a:endParaRPr>
           </a:p>
         </p:txBody>
       </p:sp>
       <p:cxnSp>
         <p:nvCxnSpPr>
           <p:cNvPr id="28" name="Straight Arrow Connector 27"/>
-          <p:cNvCxnSpPr/>
+          <p:cNvCxnSpPr>
+            <a:cxnSpLocks/>
+          </p:cNvCxnSpPr>
           <p:nvPr/>
         </p:nvCxnSpPr>
         <p:spPr>
-          <a:xfrm>
-            <a:off x="3954408" y="1538409"/>
-            <a:ext cx="1837184" cy="0"/>
+          <a:xfrm flipV="1">
+            <a:off x="3954408" y="1538408"/>
+            <a:ext cx="2069313" cy="2"/>
           </a:xfrm>
           <a:prstGeom prst="straightConnector1">
             <a:avLst/>
@@ -4290,7 +4292,7 @@
         </p:nvSpPr>
         <p:spPr>
           <a:xfrm>
-            <a:off x="4299772" y="1542583"/>
+            <a:off x="4136469" y="1969109"/>
             <a:ext cx="1424846" cy="215444"/>
           </a:xfrm>
           <a:prstGeom prst="rect">
@@ -4305,101 +4307,36 @@
           <a:lstStyle/>
           <a:p>
             <a:r>
-              <a:rPr lang="en-US" sz="1400" dirty="0" err="1" smtClean="0">
+              <a:rPr lang="en-US" sz="1400" dirty="0" err="1">
                 <a:solidFill>
-                  <a:srgbClr val="7030A0"/>
+                  <a:srgbClr val="0070C0"/>
                 </a:solidFill>
               </a:rPr>
-              <a:t>deletePerson</a:t>
-            </a:r>
-            <a:r>
-              <a:rPr lang="en-US" sz="1400" dirty="0" smtClean="0">
+              <a:t>deleteSlot</a:t>
+            </a:r>
+            <a:r>
+              <a:rPr lang="en-US" sz="1400" dirty="0">
                 <a:solidFill>
-                  <a:srgbClr val="7030A0"/>
+                  <a:srgbClr val="0070C0"/>
                 </a:solidFill>
               </a:rPr>
-              <a:t>(p)</a:t>
-            </a:r>
-            <a:endParaRPr lang="en-US" sz="1400" dirty="0">
-              <a:solidFill>
-                <a:srgbClr val="7030A0"/>
-              </a:solidFill>
-            </a:endParaRPr>
-          </a:p>
-        </p:txBody>
-      </p:sp>
-      <p:sp>
-        <p:nvSpPr>
-          <p:cNvPr id="33" name="TextBox 32"/>
-          <p:cNvSpPr txBox="1"/>
-          <p:nvPr/>
-        </p:nvSpPr>
-        <p:spPr>
-          <a:xfrm>
-            <a:off x="6074030" y="1687656"/>
-            <a:ext cx="2438400" cy="215444"/>
-          </a:xfrm>
-          <a:prstGeom prst="rect">
-            <a:avLst/>
-          </a:prstGeom>
-          <a:noFill/>
-        </p:spPr>
-        <p:txBody>
-          <a:bodyPr wrap="square" lIns="0" tIns="0" rIns="0" bIns="0" rtlCol="0">
-            <a:spAutoFit/>
-          </a:bodyPr>
-          <a:lstStyle/>
-          <a:p>
-            <a:r>
-              <a:rPr lang="en-US" sz="1400" dirty="0" smtClean="0">
-                <a:solidFill>
-                  <a:schemeClr val="accent5">
-                    <a:lumMod val="75000"/>
-                  </a:schemeClr>
-                </a:solidFill>
-              </a:rPr>
-              <a:t>post(</a:t>
-            </a:r>
-            <a:r>
-              <a:rPr lang="en-US" sz="1400" dirty="0" err="1" smtClean="0">
-                <a:solidFill>
-                  <a:schemeClr val="accent5">
-                    <a:lumMod val="75000"/>
-                  </a:schemeClr>
-                </a:solidFill>
-              </a:rPr>
-              <a:t>AddressBookChangedEvent</a:t>
-            </a:r>
-            <a:r>
-              <a:rPr lang="en-US" sz="1400" dirty="0" smtClean="0">
-                <a:solidFill>
-                  <a:schemeClr val="accent5">
-                    <a:lumMod val="75000"/>
-                  </a:schemeClr>
-                </a:solidFill>
-              </a:rPr>
-              <a:t>)</a:t>
-            </a:r>
-            <a:endParaRPr lang="en-US" sz="1400" dirty="0">
-              <a:solidFill>
-                <a:schemeClr val="accent5">
-                  <a:lumMod val="75000"/>
-                </a:schemeClr>
-              </a:solidFill>
-            </a:endParaRPr>
+              <a:t>(s)</a:t>
+            </a:r>
           </a:p>
         </p:txBody>
       </p:sp>
       <p:cxnSp>
         <p:nvCxnSpPr>
           <p:cNvPr id="34" name="Straight Arrow Connector 33"/>
-          <p:cNvCxnSpPr/>
+          <p:cNvCxnSpPr>
+            <a:cxnSpLocks/>
+          </p:cNvCxnSpPr>
           <p:nvPr/>
         </p:nvCxnSpPr>
         <p:spPr>
           <a:xfrm>
-            <a:off x="3954408" y="2190681"/>
-            <a:ext cx="1837184" cy="0"/>
+            <a:off x="3970732" y="1752600"/>
+            <a:ext cx="2065392" cy="0"/>
           </a:xfrm>
           <a:prstGeom prst="straightConnector1">
             <a:avLst/>
@@ -4436,7 +4373,7 @@
         </p:nvCxnSpPr>
         <p:spPr>
           <a:xfrm>
-            <a:off x="1739069" y="2266002"/>
+            <a:off x="1739069" y="2589921"/>
             <a:ext cx="2058118" cy="0"/>
           </a:xfrm>
           <a:prstGeom prst="straightConnector1">
@@ -4474,1062 +4411,8 @@
         </p:nvCxnSpPr>
         <p:spPr>
           <a:xfrm>
-            <a:off x="390618" y="2342202"/>
+            <a:off x="390618" y="2666121"/>
             <a:ext cx="1196051" cy="0"/>
-          </a:xfrm>
-          <a:prstGeom prst="straightConnector1">
-            <a:avLst/>
-          </a:prstGeom>
-          <a:ln w="19050">
-            <a:solidFill>
-              <a:srgbClr val="00B050"/>
-            </a:solidFill>
-            <a:prstDash val="sysDash"/>
-            <a:headEnd type="arrow" w="med" len="med"/>
-            <a:tailEnd type="none" w="med" len="med"/>
-          </a:ln>
-        </p:spPr>
-        <p:style>
-          <a:lnRef idx="1">
-            <a:schemeClr val="accent1"/>
-          </a:lnRef>
-          <a:fillRef idx="0">
-            <a:schemeClr val="accent1"/>
-          </a:fillRef>
-          <a:effectRef idx="0">
-            <a:schemeClr val="accent1"/>
-          </a:effectRef>
-          <a:fontRef idx="minor">
-            <a:schemeClr val="tx1"/>
-          </a:fontRef>
-        </p:style>
-      </p:cxnSp>
-      <p:sp>
-        <p:nvSpPr>
-          <p:cNvPr id="39" name="Rectangle 62"/>
-          <p:cNvSpPr/>
-          <p:nvPr/>
-        </p:nvSpPr>
-        <p:spPr>
-          <a:xfrm>
-            <a:off x="7696200" y="591251"/>
-            <a:ext cx="1371600" cy="346760"/>
-          </a:xfrm>
-          <a:prstGeom prst="rect">
-            <a:avLst/>
-          </a:prstGeom>
-          <a:solidFill>
-            <a:schemeClr val="accent5">
-              <a:lumMod val="75000"/>
-            </a:schemeClr>
-          </a:solidFill>
-          <a:ln w="19050">
-            <a:solidFill>
-              <a:schemeClr val="accent5">
-                <a:lumMod val="75000"/>
-              </a:schemeClr>
-            </a:solidFill>
-          </a:ln>
-          <a:effectLst/>
-        </p:spPr>
-        <p:style>
-          <a:lnRef idx="1">
-            <a:schemeClr val="accent2"/>
-          </a:lnRef>
-          <a:fillRef idx="2">
-            <a:schemeClr val="accent2"/>
-          </a:fillRef>
-          <a:effectRef idx="1">
-            <a:schemeClr val="accent2"/>
-          </a:effectRef>
-          <a:fontRef idx="minor">
-            <a:schemeClr val="dk1"/>
-          </a:fontRef>
-        </p:style>
-        <p:txBody>
-          <a:bodyPr rtlCol="0" anchor="ctr"/>
-          <a:lstStyle/>
-          <a:p>
-            <a:pPr algn="ctr"/>
-            <a:r>
-              <a:rPr lang="en-US" sz="1600" dirty="0" smtClean="0">
-                <a:solidFill>
-                  <a:schemeClr val="bg1"/>
-                </a:solidFill>
-              </a:rPr>
-              <a:t>:</a:t>
-            </a:r>
-            <a:r>
-              <a:rPr lang="en-US" sz="1600" dirty="0" err="1" smtClean="0">
-                <a:solidFill>
-                  <a:schemeClr val="bg1"/>
-                </a:solidFill>
-              </a:rPr>
-              <a:t>EventsCenter</a:t>
-            </a:r>
-            <a:endParaRPr lang="en-SG" sz="1600" dirty="0">
-              <a:solidFill>
-                <a:schemeClr val="bg1"/>
-              </a:solidFill>
-            </a:endParaRPr>
-          </a:p>
-        </p:txBody>
-      </p:sp>
-      <p:cxnSp>
-        <p:nvCxnSpPr>
-          <p:cNvPr id="40" name="Straight Connector 39"/>
-          <p:cNvCxnSpPr/>
-          <p:nvPr/>
-        </p:nvCxnSpPr>
-        <p:spPr>
-          <a:xfrm>
-            <a:off x="8616802" y="944305"/>
-            <a:ext cx="0" cy="1723059"/>
-          </a:xfrm>
-          <a:prstGeom prst="line">
-            <a:avLst/>
-          </a:prstGeom>
-          <a:ln w="19050">
-            <a:solidFill>
-              <a:schemeClr val="accent5">
-                <a:lumMod val="75000"/>
-              </a:schemeClr>
-            </a:solidFill>
-            <a:prstDash val="sysDash"/>
-          </a:ln>
-          <a:effectLst/>
-        </p:spPr>
-        <p:style>
-          <a:lnRef idx="1">
-            <a:schemeClr val="accent1"/>
-          </a:lnRef>
-          <a:fillRef idx="2">
-            <a:schemeClr val="accent1"/>
-          </a:fillRef>
-          <a:effectRef idx="1">
-            <a:schemeClr val="accent1"/>
-          </a:effectRef>
-          <a:fontRef idx="minor">
-            <a:schemeClr val="dk1"/>
-          </a:fontRef>
-        </p:style>
-      </p:cxnSp>
-      <p:sp>
-        <p:nvSpPr>
-          <p:cNvPr id="41" name="Rectangle 40"/>
-          <p:cNvSpPr/>
-          <p:nvPr/>
-        </p:nvSpPr>
-        <p:spPr>
-          <a:xfrm>
-            <a:off x="8544794" y="1961202"/>
-            <a:ext cx="142006" cy="176787"/>
-          </a:xfrm>
-          <a:prstGeom prst="rect">
-            <a:avLst/>
-          </a:prstGeom>
-          <a:solidFill>
-            <a:schemeClr val="accent5">
-              <a:lumMod val="75000"/>
-            </a:schemeClr>
-          </a:solidFill>
-          <a:ln>
-            <a:solidFill>
-              <a:schemeClr val="accent5">
-                <a:lumMod val="75000"/>
-              </a:schemeClr>
-            </a:solidFill>
-          </a:ln>
-          <a:effectLst/>
-        </p:spPr>
-        <p:style>
-          <a:lnRef idx="1">
-            <a:schemeClr val="accent3"/>
-          </a:lnRef>
-          <a:fillRef idx="2">
-            <a:schemeClr val="accent3"/>
-          </a:fillRef>
-          <a:effectRef idx="1">
-            <a:schemeClr val="accent3"/>
-          </a:effectRef>
-          <a:fontRef idx="minor">
-            <a:schemeClr val="dk1"/>
-          </a:fontRef>
-        </p:style>
-        <p:txBody>
-          <a:bodyPr rtlCol="0" anchor="ctr"/>
-          <a:lstStyle/>
-          <a:p>
-            <a:pPr algn="ctr"/>
-            <a:endParaRPr lang="en-SG" sz="1400">
-              <a:solidFill>
-                <a:schemeClr val="dk1"/>
-              </a:solidFill>
-            </a:endParaRPr>
-          </a:p>
-        </p:txBody>
-      </p:sp>
-      <p:cxnSp>
-        <p:nvCxnSpPr>
-          <p:cNvPr id="42" name="Straight Arrow Connector 41"/>
-          <p:cNvCxnSpPr/>
-          <p:nvPr/>
-        </p:nvCxnSpPr>
-        <p:spPr>
-          <a:xfrm>
-            <a:off x="5943992" y="1961202"/>
-            <a:ext cx="2568438" cy="0"/>
-          </a:xfrm>
-          <a:prstGeom prst="straightConnector1">
-            <a:avLst/>
-          </a:prstGeom>
-          <a:ln w="19050">
-            <a:solidFill>
-              <a:srgbClr val="7030A0"/>
-            </a:solidFill>
-            <a:tailEnd type="arrow"/>
-          </a:ln>
-        </p:spPr>
-        <p:style>
-          <a:lnRef idx="1">
-            <a:schemeClr val="accent1"/>
-          </a:lnRef>
-          <a:fillRef idx="0">
-            <a:schemeClr val="accent1"/>
-          </a:fillRef>
-          <a:effectRef idx="0">
-            <a:schemeClr val="accent1"/>
-          </a:effectRef>
-          <a:fontRef idx="minor">
-            <a:schemeClr val="tx1"/>
-          </a:fontRef>
-        </p:style>
-      </p:cxnSp>
-      <p:cxnSp>
-        <p:nvCxnSpPr>
-          <p:cNvPr id="44" name="Straight Arrow Connector 43"/>
-          <p:cNvCxnSpPr/>
-          <p:nvPr/>
-        </p:nvCxnSpPr>
-        <p:spPr>
-          <a:xfrm>
-            <a:off x="5943992" y="2137989"/>
-            <a:ext cx="2549946" cy="0"/>
-          </a:xfrm>
-          <a:prstGeom prst="straightConnector1">
-            <a:avLst/>
-          </a:prstGeom>
-          <a:ln w="19050">
-            <a:solidFill>
-              <a:schemeClr val="accent5">
-                <a:lumMod val="75000"/>
-              </a:schemeClr>
-            </a:solidFill>
-            <a:prstDash val="sysDash"/>
-            <a:headEnd type="arrow" w="med" len="med"/>
-            <a:tailEnd type="none" w="med" len="med"/>
-          </a:ln>
-        </p:spPr>
-        <p:style>
-          <a:lnRef idx="1">
-            <a:schemeClr val="accent1"/>
-          </a:lnRef>
-          <a:fillRef idx="0">
-            <a:schemeClr val="accent1"/>
-          </a:fillRef>
-          <a:effectRef idx="0">
-            <a:schemeClr val="accent1"/>
-          </a:effectRef>
-          <a:fontRef idx="minor">
-            <a:schemeClr val="tx1"/>
-          </a:fontRef>
-        </p:style>
-      </p:cxnSp>
-      <p:sp>
-        <p:nvSpPr>
-          <p:cNvPr id="53" name="Rectangle 62"/>
-          <p:cNvSpPr/>
-          <p:nvPr/>
-        </p:nvSpPr>
-        <p:spPr>
-          <a:xfrm>
-            <a:off x="7370178" y="4278322"/>
-            <a:ext cx="1093635" cy="346760"/>
-          </a:xfrm>
-          <a:prstGeom prst="rect">
-            <a:avLst/>
-          </a:prstGeom>
-          <a:solidFill>
-            <a:schemeClr val="accent6">
-              <a:lumMod val="75000"/>
-            </a:schemeClr>
-          </a:solidFill>
-          <a:ln w="19050">
-            <a:solidFill>
-              <a:schemeClr val="accent6">
-                <a:lumMod val="75000"/>
-              </a:schemeClr>
-            </a:solidFill>
-          </a:ln>
-          <a:effectLst/>
-        </p:spPr>
-        <p:style>
-          <a:lnRef idx="1">
-            <a:schemeClr val="accent2"/>
-          </a:lnRef>
-          <a:fillRef idx="2">
-            <a:schemeClr val="accent2"/>
-          </a:fillRef>
-          <a:effectRef idx="1">
-            <a:schemeClr val="accent2"/>
-          </a:effectRef>
-          <a:fontRef idx="minor">
-            <a:schemeClr val="dk1"/>
-          </a:fontRef>
-        </p:style>
-        <p:txBody>
-          <a:bodyPr rtlCol="0" anchor="ctr"/>
-          <a:lstStyle/>
-          <a:p>
-            <a:pPr algn="ctr"/>
-            <a:r>
-              <a:rPr lang="en-US" sz="1600" dirty="0" smtClean="0">
-                <a:solidFill>
-                  <a:schemeClr val="bg1"/>
-                </a:solidFill>
-              </a:rPr>
-              <a:t>:Storage</a:t>
-            </a:r>
-            <a:endParaRPr lang="en-SG" sz="1600" dirty="0">
-              <a:solidFill>
-                <a:schemeClr val="bg1"/>
-              </a:solidFill>
-            </a:endParaRPr>
-          </a:p>
-        </p:txBody>
-      </p:sp>
-      <p:cxnSp>
-        <p:nvCxnSpPr>
-          <p:cNvPr id="54" name="Straight Connector 53"/>
-          <p:cNvCxnSpPr/>
-          <p:nvPr/>
-        </p:nvCxnSpPr>
-        <p:spPr>
-          <a:xfrm>
-            <a:off x="7916995" y="4641993"/>
-            <a:ext cx="0" cy="1723059"/>
-          </a:xfrm>
-          <a:prstGeom prst="line">
-            <a:avLst/>
-          </a:prstGeom>
-          <a:ln w="19050">
-            <a:solidFill>
-              <a:schemeClr val="accent6">
-                <a:lumMod val="75000"/>
-              </a:schemeClr>
-            </a:solidFill>
-            <a:prstDash val="sysDash"/>
-          </a:ln>
-          <a:effectLst/>
-        </p:spPr>
-        <p:style>
-          <a:lnRef idx="1">
-            <a:schemeClr val="accent1"/>
-          </a:lnRef>
-          <a:fillRef idx="2">
-            <a:schemeClr val="accent1"/>
-          </a:fillRef>
-          <a:effectRef idx="1">
-            <a:schemeClr val="accent1"/>
-          </a:effectRef>
-          <a:fontRef idx="minor">
-            <a:schemeClr val="dk1"/>
-          </a:fontRef>
-        </p:style>
-      </p:cxnSp>
-      <p:sp>
-        <p:nvSpPr>
-          <p:cNvPr id="55" name="Rectangle 54"/>
-          <p:cNvSpPr/>
-          <p:nvPr/>
-        </p:nvSpPr>
-        <p:spPr>
-          <a:xfrm>
-            <a:off x="7844987" y="5335662"/>
-            <a:ext cx="124478" cy="287409"/>
-          </a:xfrm>
-          <a:prstGeom prst="rect">
-            <a:avLst/>
-          </a:prstGeom>
-          <a:solidFill>
-            <a:schemeClr val="accent6">
-              <a:lumMod val="75000"/>
-            </a:schemeClr>
-          </a:solidFill>
-          <a:ln>
-            <a:solidFill>
-              <a:schemeClr val="accent6">
-                <a:lumMod val="75000"/>
-              </a:schemeClr>
-            </a:solidFill>
-          </a:ln>
-          <a:effectLst/>
-        </p:spPr>
-        <p:style>
-          <a:lnRef idx="1">
-            <a:schemeClr val="accent3"/>
-          </a:lnRef>
-          <a:fillRef idx="2">
-            <a:schemeClr val="accent3"/>
-          </a:fillRef>
-          <a:effectRef idx="1">
-            <a:schemeClr val="accent3"/>
-          </a:effectRef>
-          <a:fontRef idx="minor">
-            <a:schemeClr val="dk1"/>
-          </a:fontRef>
-        </p:style>
-        <p:txBody>
-          <a:bodyPr rtlCol="0" anchor="ctr"/>
-          <a:lstStyle/>
-          <a:p>
-            <a:pPr algn="ctr"/>
-            <a:endParaRPr lang="en-SG" sz="1400">
-              <a:solidFill>
-                <a:schemeClr val="dk1"/>
-              </a:solidFill>
-            </a:endParaRPr>
-          </a:p>
-        </p:txBody>
-      </p:sp>
-      <p:sp>
-        <p:nvSpPr>
-          <p:cNvPr id="62" name="TextBox 61"/>
-          <p:cNvSpPr txBox="1"/>
-          <p:nvPr/>
-        </p:nvSpPr>
-        <p:spPr>
-          <a:xfrm>
-            <a:off x="1810094" y="4797674"/>
-            <a:ext cx="2716635" cy="215444"/>
-          </a:xfrm>
-          <a:prstGeom prst="rect">
-            <a:avLst/>
-          </a:prstGeom>
-          <a:noFill/>
-        </p:spPr>
-        <p:txBody>
-          <a:bodyPr wrap="square" lIns="0" tIns="0" rIns="0" bIns="0" rtlCol="0">
-            <a:spAutoFit/>
-          </a:bodyPr>
-          <a:lstStyle/>
-          <a:p>
-            <a:r>
-              <a:rPr lang="en-US" sz="1400" dirty="0" smtClean="0">
-                <a:solidFill>
-                  <a:schemeClr val="accent5">
-                    <a:lumMod val="75000"/>
-                  </a:schemeClr>
-                </a:solidFill>
-              </a:rPr>
-              <a:t>post(</a:t>
-            </a:r>
-            <a:r>
-              <a:rPr lang="en-US" sz="1400" dirty="0" err="1" smtClean="0">
-                <a:solidFill>
-                  <a:schemeClr val="accent5">
-                    <a:lumMod val="75000"/>
-                  </a:schemeClr>
-                </a:solidFill>
-              </a:rPr>
-              <a:t>AddressBookChangedEvent</a:t>
-            </a:r>
-            <a:r>
-              <a:rPr lang="en-US" sz="1400" dirty="0" smtClean="0">
-                <a:solidFill>
-                  <a:schemeClr val="accent5">
-                    <a:lumMod val="75000"/>
-                  </a:schemeClr>
-                </a:solidFill>
-              </a:rPr>
-              <a:t>)</a:t>
-            </a:r>
-            <a:endParaRPr lang="en-US" sz="1400" dirty="0">
-              <a:solidFill>
-                <a:schemeClr val="accent5">
-                  <a:lumMod val="75000"/>
-                </a:schemeClr>
-              </a:solidFill>
-            </a:endParaRPr>
-          </a:p>
-        </p:txBody>
-      </p:sp>
-      <p:cxnSp>
-        <p:nvCxnSpPr>
-          <p:cNvPr id="63" name="Straight Arrow Connector 62"/>
-          <p:cNvCxnSpPr/>
-          <p:nvPr/>
-        </p:nvCxnSpPr>
-        <p:spPr>
-          <a:xfrm flipH="1">
-            <a:off x="4526729" y="5623071"/>
-            <a:ext cx="3383941" cy="0"/>
-          </a:xfrm>
-          <a:prstGeom prst="straightConnector1">
-            <a:avLst/>
-          </a:prstGeom>
-          <a:ln w="19050">
-            <a:solidFill>
-              <a:schemeClr val="accent6">
-                <a:lumMod val="75000"/>
-              </a:schemeClr>
-            </a:solidFill>
-            <a:prstDash val="sysDash"/>
-            <a:headEnd type="none" w="med" len="med"/>
-            <a:tailEnd type="arrow" w="med" len="med"/>
-          </a:ln>
-        </p:spPr>
-        <p:style>
-          <a:lnRef idx="1">
-            <a:schemeClr val="accent1"/>
-          </a:lnRef>
-          <a:fillRef idx="0">
-            <a:schemeClr val="accent1"/>
-          </a:fillRef>
-          <a:effectRef idx="0">
-            <a:schemeClr val="accent1"/>
-          </a:effectRef>
-          <a:fontRef idx="minor">
-            <a:schemeClr val="tx1"/>
-          </a:fontRef>
-        </p:style>
-      </p:cxnSp>
-      <p:sp>
-        <p:nvSpPr>
-          <p:cNvPr id="66" name="Rectangle 62"/>
-          <p:cNvSpPr/>
-          <p:nvPr/>
-        </p:nvSpPr>
-        <p:spPr>
-          <a:xfrm>
-            <a:off x="3791146" y="4295233"/>
-            <a:ext cx="1371600" cy="346760"/>
-          </a:xfrm>
-          <a:prstGeom prst="rect">
-            <a:avLst/>
-          </a:prstGeom>
-          <a:solidFill>
-            <a:schemeClr val="accent5">
-              <a:lumMod val="75000"/>
-            </a:schemeClr>
-          </a:solidFill>
-          <a:ln w="19050">
-            <a:solidFill>
-              <a:schemeClr val="accent5">
-                <a:lumMod val="75000"/>
-              </a:schemeClr>
-            </a:solidFill>
-          </a:ln>
-          <a:effectLst/>
-        </p:spPr>
-        <p:style>
-          <a:lnRef idx="1">
-            <a:schemeClr val="accent2"/>
-          </a:lnRef>
-          <a:fillRef idx="2">
-            <a:schemeClr val="accent2"/>
-          </a:fillRef>
-          <a:effectRef idx="1">
-            <a:schemeClr val="accent2"/>
-          </a:effectRef>
-          <a:fontRef idx="minor">
-            <a:schemeClr val="dk1"/>
-          </a:fontRef>
-        </p:style>
-        <p:txBody>
-          <a:bodyPr rtlCol="0" anchor="ctr"/>
-          <a:lstStyle/>
-          <a:p>
-            <a:pPr algn="ctr"/>
-            <a:r>
-              <a:rPr lang="en-US" sz="1600" dirty="0" smtClean="0">
-                <a:solidFill>
-                  <a:schemeClr val="bg1"/>
-                </a:solidFill>
-              </a:rPr>
-              <a:t>:</a:t>
-            </a:r>
-            <a:r>
-              <a:rPr lang="en-US" sz="1600" dirty="0" err="1" smtClean="0">
-                <a:solidFill>
-                  <a:schemeClr val="bg1"/>
-                </a:solidFill>
-              </a:rPr>
-              <a:t>EventsCenter</a:t>
-            </a:r>
-            <a:endParaRPr lang="en-SG" sz="1600" dirty="0">
-              <a:solidFill>
-                <a:schemeClr val="bg1"/>
-              </a:solidFill>
-            </a:endParaRPr>
-          </a:p>
-        </p:txBody>
-      </p:sp>
-      <p:cxnSp>
-        <p:nvCxnSpPr>
-          <p:cNvPr id="67" name="Straight Connector 66"/>
-          <p:cNvCxnSpPr/>
-          <p:nvPr/>
-        </p:nvCxnSpPr>
-        <p:spPr>
-          <a:xfrm>
-            <a:off x="4456731" y="4648287"/>
-            <a:ext cx="0" cy="1723059"/>
-          </a:xfrm>
-          <a:prstGeom prst="line">
-            <a:avLst/>
-          </a:prstGeom>
-          <a:ln w="19050">
-            <a:solidFill>
-              <a:schemeClr val="accent5">
-                <a:lumMod val="75000"/>
-              </a:schemeClr>
-            </a:solidFill>
-            <a:prstDash val="sysDash"/>
-          </a:ln>
-          <a:effectLst/>
-        </p:spPr>
-        <p:style>
-          <a:lnRef idx="1">
-            <a:schemeClr val="accent1"/>
-          </a:lnRef>
-          <a:fillRef idx="2">
-            <a:schemeClr val="accent1"/>
-          </a:fillRef>
-          <a:effectRef idx="1">
-            <a:schemeClr val="accent1"/>
-          </a:effectRef>
-          <a:fontRef idx="minor">
-            <a:schemeClr val="dk1"/>
-          </a:fontRef>
-        </p:style>
-      </p:cxnSp>
-      <p:sp>
-        <p:nvSpPr>
-          <p:cNvPr id="68" name="Rectangle 67"/>
-          <p:cNvSpPr/>
-          <p:nvPr/>
-        </p:nvSpPr>
-        <p:spPr>
-          <a:xfrm>
-            <a:off x="4384723" y="5071220"/>
-            <a:ext cx="142006" cy="1036757"/>
-          </a:xfrm>
-          <a:prstGeom prst="rect">
-            <a:avLst/>
-          </a:prstGeom>
-          <a:solidFill>
-            <a:schemeClr val="accent5">
-              <a:lumMod val="75000"/>
-            </a:schemeClr>
-          </a:solidFill>
-          <a:ln>
-            <a:solidFill>
-              <a:schemeClr val="accent5">
-                <a:lumMod val="75000"/>
-              </a:schemeClr>
-            </a:solidFill>
-          </a:ln>
-          <a:effectLst/>
-        </p:spPr>
-        <p:style>
-          <a:lnRef idx="1">
-            <a:schemeClr val="accent3"/>
-          </a:lnRef>
-          <a:fillRef idx="2">
-            <a:schemeClr val="accent3"/>
-          </a:fillRef>
-          <a:effectRef idx="1">
-            <a:schemeClr val="accent3"/>
-          </a:effectRef>
-          <a:fontRef idx="minor">
-            <a:schemeClr val="dk1"/>
-          </a:fontRef>
-        </p:style>
-        <p:txBody>
-          <a:bodyPr rtlCol="0" anchor="ctr"/>
-          <a:lstStyle/>
-          <a:p>
-            <a:pPr algn="ctr"/>
-            <a:endParaRPr lang="en-SG" sz="1400">
-              <a:solidFill>
-                <a:schemeClr val="dk1"/>
-              </a:solidFill>
-            </a:endParaRPr>
-          </a:p>
-        </p:txBody>
-      </p:sp>
-      <p:cxnSp>
-        <p:nvCxnSpPr>
-          <p:cNvPr id="69" name="Straight Arrow Connector 68"/>
-          <p:cNvCxnSpPr/>
-          <p:nvPr/>
-        </p:nvCxnSpPr>
-        <p:spPr>
-          <a:xfrm>
-            <a:off x="3078929" y="5071220"/>
-            <a:ext cx="1295400" cy="0"/>
-          </a:xfrm>
-          <a:prstGeom prst="straightConnector1">
-            <a:avLst/>
-          </a:prstGeom>
-          <a:ln w="19050">
-            <a:solidFill>
-              <a:srgbClr val="7030A0"/>
-            </a:solidFill>
-            <a:tailEnd type="arrow"/>
-          </a:ln>
-        </p:spPr>
-        <p:style>
-          <a:lnRef idx="1">
-            <a:schemeClr val="accent1"/>
-          </a:lnRef>
-          <a:fillRef idx="0">
-            <a:schemeClr val="accent1"/>
-          </a:fillRef>
-          <a:effectRef idx="0">
-            <a:schemeClr val="accent1"/>
-          </a:effectRef>
-          <a:fontRef idx="minor">
-            <a:schemeClr val="tx1"/>
-          </a:fontRef>
-        </p:style>
-      </p:cxnSp>
-      <p:cxnSp>
-        <p:nvCxnSpPr>
-          <p:cNvPr id="70" name="Straight Arrow Connector 69"/>
-          <p:cNvCxnSpPr/>
-          <p:nvPr/>
-        </p:nvCxnSpPr>
-        <p:spPr>
-          <a:xfrm>
-            <a:off x="2975642" y="6107977"/>
-            <a:ext cx="1448755" cy="0"/>
-          </a:xfrm>
-          <a:prstGeom prst="straightConnector1">
-            <a:avLst/>
-          </a:prstGeom>
-          <a:ln w="19050">
-            <a:solidFill>
-              <a:schemeClr val="accent5">
-                <a:lumMod val="75000"/>
-              </a:schemeClr>
-            </a:solidFill>
-            <a:prstDash val="sysDash"/>
-            <a:headEnd type="arrow" w="med" len="med"/>
-            <a:tailEnd type="none" w="med" len="med"/>
-          </a:ln>
-        </p:spPr>
-        <p:style>
-          <a:lnRef idx="1">
-            <a:schemeClr val="accent1"/>
-          </a:lnRef>
-          <a:fillRef idx="0">
-            <a:schemeClr val="accent1"/>
-          </a:fillRef>
-          <a:effectRef idx="0">
-            <a:schemeClr val="accent1"/>
-          </a:effectRef>
-          <a:fontRef idx="minor">
-            <a:schemeClr val="tx1"/>
-          </a:fontRef>
-        </p:style>
-      </p:cxnSp>
-      <p:cxnSp>
-        <p:nvCxnSpPr>
-          <p:cNvPr id="72" name="Straight Arrow Connector 71"/>
-          <p:cNvCxnSpPr/>
-          <p:nvPr/>
-        </p:nvCxnSpPr>
-        <p:spPr>
-          <a:xfrm>
-            <a:off x="4526729" y="5341014"/>
-            <a:ext cx="3318258" cy="0"/>
-          </a:xfrm>
-          <a:prstGeom prst="straightConnector1">
-            <a:avLst/>
-          </a:prstGeom>
-          <a:ln w="19050">
-            <a:solidFill>
-              <a:schemeClr val="accent5">
-                <a:lumMod val="75000"/>
-              </a:schemeClr>
-            </a:solidFill>
-            <a:headEnd type="none" w="med" len="med"/>
-            <a:tailEnd type="arrow" w="med" len="med"/>
-          </a:ln>
-        </p:spPr>
-        <p:style>
-          <a:lnRef idx="1">
-            <a:schemeClr val="accent1"/>
-          </a:lnRef>
-          <a:fillRef idx="0">
-            <a:schemeClr val="accent1"/>
-          </a:fillRef>
-          <a:effectRef idx="0">
-            <a:schemeClr val="accent1"/>
-          </a:effectRef>
-          <a:fontRef idx="minor">
-            <a:schemeClr val="tx1"/>
-          </a:fontRef>
-        </p:style>
-      </p:cxnSp>
-      <p:sp>
-        <p:nvSpPr>
-          <p:cNvPr id="74" name="TextBox 73"/>
-          <p:cNvSpPr txBox="1"/>
-          <p:nvPr/>
-        </p:nvSpPr>
-        <p:spPr>
-          <a:xfrm>
-            <a:off x="5036330" y="5065911"/>
-            <a:ext cx="2659870" cy="215444"/>
-          </a:xfrm>
-          <a:prstGeom prst="rect">
-            <a:avLst/>
-          </a:prstGeom>
-          <a:noFill/>
-        </p:spPr>
-        <p:txBody>
-          <a:bodyPr wrap="square" lIns="0" tIns="0" rIns="0" bIns="0" rtlCol="0">
-            <a:spAutoFit/>
-          </a:bodyPr>
-          <a:lstStyle/>
-          <a:p>
-            <a:r>
-              <a:rPr lang="en-US" sz="1400" dirty="0" err="1" smtClean="0">
-                <a:solidFill>
-                  <a:schemeClr val="accent6">
-                    <a:lumMod val="75000"/>
-                  </a:schemeClr>
-                </a:solidFill>
-              </a:rPr>
-              <a:t>handleAddresssBookChangedEvent</a:t>
-            </a:r>
-            <a:r>
-              <a:rPr lang="en-US" sz="1400" dirty="0" smtClean="0">
-                <a:solidFill>
-                  <a:schemeClr val="accent6">
-                    <a:lumMod val="75000"/>
-                  </a:schemeClr>
-                </a:solidFill>
-              </a:rPr>
-              <a:t>()</a:t>
-            </a:r>
-            <a:endParaRPr lang="en-US" sz="1400" dirty="0">
-              <a:solidFill>
-                <a:schemeClr val="accent6">
-                  <a:lumMod val="75000"/>
-                </a:schemeClr>
-              </a:solidFill>
-            </a:endParaRPr>
-          </a:p>
-        </p:txBody>
-      </p:sp>
-      <p:cxnSp>
-        <p:nvCxnSpPr>
-          <p:cNvPr id="85" name="Straight Connector 84"/>
-          <p:cNvCxnSpPr/>
-          <p:nvPr/>
-        </p:nvCxnSpPr>
-        <p:spPr>
-          <a:xfrm flipH="1">
-            <a:off x="314394" y="1099672"/>
-            <a:ext cx="24" cy="1598671"/>
-          </a:xfrm>
-          <a:prstGeom prst="line">
-            <a:avLst/>
-          </a:prstGeom>
-          <a:ln w="19050">
-            <a:solidFill>
-              <a:schemeClr val="tx1"/>
-            </a:solidFill>
-            <a:prstDash val="sysDash"/>
-          </a:ln>
-          <a:effectLst/>
-        </p:spPr>
-        <p:style>
-          <a:lnRef idx="1">
-            <a:schemeClr val="accent1"/>
-          </a:lnRef>
-          <a:fillRef idx="2">
-            <a:schemeClr val="accent1"/>
-          </a:fillRef>
-          <a:effectRef idx="1">
-            <a:schemeClr val="accent1"/>
-          </a:effectRef>
-          <a:fontRef idx="minor">
-            <a:schemeClr val="dk1"/>
-          </a:fontRef>
-        </p:style>
-      </p:cxnSp>
-      <p:sp>
-        <p:nvSpPr>
-          <p:cNvPr id="45" name="Rectangle 62"/>
-          <p:cNvSpPr/>
-          <p:nvPr/>
-        </p:nvSpPr>
-        <p:spPr>
-          <a:xfrm>
-            <a:off x="721634" y="4278322"/>
-            <a:ext cx="1093635" cy="346760"/>
-          </a:xfrm>
-          <a:prstGeom prst="rect">
-            <a:avLst/>
-          </a:prstGeom>
-          <a:solidFill>
-            <a:srgbClr val="00B050"/>
-          </a:solidFill>
-          <a:ln w="19050">
-            <a:solidFill>
-              <a:srgbClr val="00B050"/>
-            </a:solidFill>
-          </a:ln>
-          <a:effectLst/>
-        </p:spPr>
-        <p:style>
-          <a:lnRef idx="1">
-            <a:schemeClr val="accent2"/>
-          </a:lnRef>
-          <a:fillRef idx="2">
-            <a:schemeClr val="accent2"/>
-          </a:fillRef>
-          <a:effectRef idx="1">
-            <a:schemeClr val="accent2"/>
-          </a:effectRef>
-          <a:fontRef idx="minor">
-            <a:schemeClr val="dk1"/>
-          </a:fontRef>
-        </p:style>
-        <p:txBody>
-          <a:bodyPr rtlCol="0" anchor="ctr"/>
-          <a:lstStyle/>
-          <a:p>
-            <a:pPr algn="ctr"/>
-            <a:r>
-              <a:rPr lang="en-US" sz="1600" dirty="0" smtClean="0">
-                <a:solidFill>
-                  <a:schemeClr val="bg1"/>
-                </a:solidFill>
-              </a:rPr>
-              <a:t>:UI</a:t>
-            </a:r>
-            <a:endParaRPr lang="en-SG" sz="1600" dirty="0">
-              <a:solidFill>
-                <a:schemeClr val="bg1"/>
-              </a:solidFill>
-            </a:endParaRPr>
-          </a:p>
-        </p:txBody>
-      </p:sp>
-      <p:cxnSp>
-        <p:nvCxnSpPr>
-          <p:cNvPr id="46" name="Straight Connector 45"/>
-          <p:cNvCxnSpPr/>
-          <p:nvPr/>
-        </p:nvCxnSpPr>
-        <p:spPr>
-          <a:xfrm>
-            <a:off x="1268451" y="4641993"/>
-            <a:ext cx="0" cy="1723059"/>
-          </a:xfrm>
-          <a:prstGeom prst="line">
-            <a:avLst/>
-          </a:prstGeom>
-          <a:ln w="19050">
-            <a:solidFill>
-              <a:srgbClr val="00B050"/>
-            </a:solidFill>
-            <a:prstDash val="sysDash"/>
-          </a:ln>
-          <a:effectLst/>
-        </p:spPr>
-        <p:style>
-          <a:lnRef idx="1">
-            <a:schemeClr val="accent1"/>
-          </a:lnRef>
-          <a:fillRef idx="2">
-            <a:schemeClr val="accent1"/>
-          </a:fillRef>
-          <a:effectRef idx="1">
-            <a:schemeClr val="accent1"/>
-          </a:effectRef>
-          <a:fontRef idx="minor">
-            <a:schemeClr val="dk1"/>
-          </a:fontRef>
-        </p:style>
-      </p:cxnSp>
-      <p:sp>
-        <p:nvSpPr>
-          <p:cNvPr id="47" name="Rectangle 46"/>
-          <p:cNvSpPr/>
-          <p:nvPr/>
-        </p:nvSpPr>
-        <p:spPr>
-          <a:xfrm>
-            <a:off x="1196443" y="5670472"/>
-            <a:ext cx="130545" cy="273128"/>
-          </a:xfrm>
-          <a:prstGeom prst="rect">
-            <a:avLst/>
-          </a:prstGeom>
-          <a:solidFill>
-            <a:srgbClr val="00B050"/>
-          </a:solidFill>
-          <a:ln>
-            <a:solidFill>
-              <a:srgbClr val="00B050"/>
-            </a:solidFill>
-          </a:ln>
-          <a:effectLst/>
-        </p:spPr>
-        <p:style>
-          <a:lnRef idx="1">
-            <a:schemeClr val="accent3"/>
-          </a:lnRef>
-          <a:fillRef idx="2">
-            <a:schemeClr val="accent3"/>
-          </a:fillRef>
-          <a:effectRef idx="1">
-            <a:schemeClr val="accent3"/>
-          </a:effectRef>
-          <a:fontRef idx="minor">
-            <a:schemeClr val="dk1"/>
-          </a:fontRef>
-        </p:style>
-        <p:txBody>
-          <a:bodyPr rtlCol="0" anchor="ctr"/>
-          <a:lstStyle/>
-          <a:p>
-            <a:pPr algn="ctr"/>
-            <a:endParaRPr lang="en-SG" sz="1400">
-              <a:solidFill>
-                <a:schemeClr val="dk1"/>
-              </a:solidFill>
-            </a:endParaRPr>
-          </a:p>
-        </p:txBody>
-      </p:sp>
-      <p:cxnSp>
-        <p:nvCxnSpPr>
-          <p:cNvPr id="48" name="Straight Arrow Connector 47"/>
-          <p:cNvCxnSpPr/>
-          <p:nvPr/>
-        </p:nvCxnSpPr>
-        <p:spPr>
-          <a:xfrm flipH="1">
-            <a:off x="1348843" y="5943600"/>
-            <a:ext cx="3061842" cy="0"/>
           </a:xfrm>
           <a:prstGeom prst="straightConnector1">
             <a:avLst/>
@@ -5560,24 +4443,281 @@
       </p:cxnSp>
       <p:cxnSp>
         <p:nvCxnSpPr>
-          <p:cNvPr id="49" name="Straight Arrow Connector 48"/>
+          <p:cNvPr id="85" name="Straight Connector 84"/>
           <p:cNvCxnSpPr/>
           <p:nvPr/>
         </p:nvCxnSpPr>
         <p:spPr>
+          <a:xfrm flipH="1">
+            <a:off x="314394" y="1099672"/>
+            <a:ext cx="24" cy="1598671"/>
+          </a:xfrm>
+          <a:prstGeom prst="line">
+            <a:avLst/>
+          </a:prstGeom>
+          <a:ln w="19050">
+            <a:solidFill>
+              <a:schemeClr val="tx1"/>
+            </a:solidFill>
+            <a:prstDash val="sysDash"/>
+          </a:ln>
+          <a:effectLst/>
+        </p:spPr>
+        <p:style>
+          <a:lnRef idx="1">
+            <a:schemeClr val="accent1"/>
+          </a:lnRef>
+          <a:fillRef idx="2">
+            <a:schemeClr val="accent1"/>
+          </a:fillRef>
+          <a:effectRef idx="1">
+            <a:schemeClr val="accent1"/>
+          </a:effectRef>
+          <a:fontRef idx="minor">
+            <a:schemeClr val="dk1"/>
+          </a:fontRef>
+        </p:style>
+      </p:cxnSp>
+      <p:sp>
+        <p:nvSpPr>
+          <p:cNvPr id="30" name="Rectangle 62">
+            <a:extLst>
+              <a:ext uri="{FF2B5EF4-FFF2-40B4-BE49-F238E27FC236}">
+                <a16:creationId xmlns:a16="http://schemas.microsoft.com/office/drawing/2014/main" id="{84DA39B6-7B5C-4F3F-9EDF-92A1F0CDD092}"/>
+              </a:ext>
+            </a:extLst>
+          </p:cNvPr>
+          <p:cNvSpPr/>
+          <p:nvPr/>
+        </p:nvSpPr>
+        <p:spPr>
           <a:xfrm>
-            <a:off x="1348843" y="5670472"/>
-            <a:ext cx="3061841" cy="0"/>
+            <a:off x="5561315" y="600290"/>
+            <a:ext cx="1093635" cy="346760"/>
+          </a:xfrm>
+          <a:prstGeom prst="rect">
+            <a:avLst/>
+          </a:prstGeom>
+          <a:solidFill>
+            <a:srgbClr val="7030A0"/>
+          </a:solidFill>
+          <a:ln w="19050">
+            <a:solidFill>
+              <a:srgbClr val="7030A0"/>
+            </a:solidFill>
+          </a:ln>
+          <a:effectLst/>
+        </p:spPr>
+        <p:style>
+          <a:lnRef idx="1">
+            <a:schemeClr val="accent2"/>
+          </a:lnRef>
+          <a:fillRef idx="2">
+            <a:schemeClr val="accent2"/>
+          </a:fillRef>
+          <a:effectRef idx="1">
+            <a:schemeClr val="accent2"/>
+          </a:effectRef>
+          <a:fontRef idx="minor">
+            <a:schemeClr val="dk1"/>
+          </a:fontRef>
+        </p:style>
+        <p:txBody>
+          <a:bodyPr rtlCol="0" anchor="ctr"/>
+          <a:lstStyle/>
+          <a:p>
+            <a:pPr algn="ctr"/>
+            <a:r>
+              <a:rPr lang="en-US" sz="1600" dirty="0">
+                <a:solidFill>
+                  <a:schemeClr val="bg1"/>
+                </a:solidFill>
+              </a:rPr>
+              <a:t>:Parser</a:t>
+            </a:r>
+            <a:endParaRPr lang="en-SG" sz="1600" dirty="0">
+              <a:solidFill>
+                <a:schemeClr val="bg1"/>
+              </a:solidFill>
+            </a:endParaRPr>
+          </a:p>
+        </p:txBody>
+      </p:sp>
+      <p:cxnSp>
+        <p:nvCxnSpPr>
+          <p:cNvPr id="31" name="Straight Connector 30">
+            <a:extLst>
+              <a:ext uri="{FF2B5EF4-FFF2-40B4-BE49-F238E27FC236}">
+                <a16:creationId xmlns:a16="http://schemas.microsoft.com/office/drawing/2014/main" id="{F5D26927-3F62-4F0A-A2F8-61AE3AE63C43}"/>
+              </a:ext>
+            </a:extLst>
+          </p:cNvPr>
+          <p:cNvCxnSpPr>
+            <a:cxnSpLocks/>
+          </p:cNvCxnSpPr>
+          <p:nvPr/>
+        </p:nvCxnSpPr>
+        <p:spPr>
+          <a:xfrm>
+            <a:off x="6108133" y="963961"/>
+            <a:ext cx="0" cy="869165"/>
+          </a:xfrm>
+          <a:prstGeom prst="line">
+            <a:avLst/>
+          </a:prstGeom>
+          <a:ln w="19050">
+            <a:solidFill>
+              <a:srgbClr val="7030A0"/>
+            </a:solidFill>
+            <a:prstDash val="sysDash"/>
+          </a:ln>
+          <a:effectLst/>
+        </p:spPr>
+        <p:style>
+          <a:lnRef idx="1">
+            <a:schemeClr val="accent1"/>
+          </a:lnRef>
+          <a:fillRef idx="2">
+            <a:schemeClr val="accent1"/>
+          </a:fillRef>
+          <a:effectRef idx="1">
+            <a:schemeClr val="accent1"/>
+          </a:effectRef>
+          <a:fontRef idx="minor">
+            <a:schemeClr val="dk1"/>
+          </a:fontRef>
+        </p:style>
+      </p:cxnSp>
+      <p:sp>
+        <p:nvSpPr>
+          <p:cNvPr id="32" name="Rectangle 31">
+            <a:extLst>
+              <a:ext uri="{FF2B5EF4-FFF2-40B4-BE49-F238E27FC236}">
+                <a16:creationId xmlns:a16="http://schemas.microsoft.com/office/drawing/2014/main" id="{3FB1D58B-3BDE-40E7-BDB9-C7AD28B165BD}"/>
+              </a:ext>
+            </a:extLst>
+          </p:cNvPr>
+          <p:cNvSpPr/>
+          <p:nvPr/>
+        </p:nvSpPr>
+        <p:spPr>
+          <a:xfrm>
+            <a:off x="6036124" y="1530772"/>
+            <a:ext cx="142006" cy="221828"/>
+          </a:xfrm>
+          <a:prstGeom prst="rect">
+            <a:avLst/>
+          </a:prstGeom>
+          <a:solidFill>
+            <a:srgbClr val="7030A0"/>
+          </a:solidFill>
+          <a:ln>
+            <a:solidFill>
+              <a:srgbClr val="7030A0"/>
+            </a:solidFill>
+          </a:ln>
+          <a:effectLst/>
+        </p:spPr>
+        <p:style>
+          <a:lnRef idx="1">
+            <a:schemeClr val="accent3"/>
+          </a:lnRef>
+          <a:fillRef idx="2">
+            <a:schemeClr val="accent3"/>
+          </a:fillRef>
+          <a:effectRef idx="1">
+            <a:schemeClr val="accent3"/>
+          </a:effectRef>
+          <a:fontRef idx="minor">
+            <a:schemeClr val="dk1"/>
+          </a:fontRef>
+        </p:style>
+        <p:txBody>
+          <a:bodyPr rtlCol="0" anchor="ctr"/>
+          <a:lstStyle/>
+          <a:p>
+            <a:pPr algn="ctr"/>
+            <a:endParaRPr lang="en-SG" sz="1400">
+              <a:solidFill>
+                <a:schemeClr val="dk1"/>
+              </a:solidFill>
+            </a:endParaRPr>
+          </a:p>
+        </p:txBody>
+      </p:sp>
+      <p:cxnSp>
+        <p:nvCxnSpPr>
+          <p:cNvPr id="36" name="Straight Arrow Connector 35">
+            <a:extLst>
+              <a:ext uri="{FF2B5EF4-FFF2-40B4-BE49-F238E27FC236}">
+                <a16:creationId xmlns:a16="http://schemas.microsoft.com/office/drawing/2014/main" id="{E10F0739-B26A-4D42-9E91-1E9949016AA2}"/>
+              </a:ext>
+            </a:extLst>
+          </p:cNvPr>
+          <p:cNvCxnSpPr>
+            <a:cxnSpLocks/>
+          </p:cNvCxnSpPr>
+          <p:nvPr/>
+        </p:nvCxnSpPr>
+        <p:spPr>
+          <a:xfrm>
+            <a:off x="3959604" y="1945985"/>
+            <a:ext cx="4301248" cy="0"/>
           </a:xfrm>
           <a:prstGeom prst="straightConnector1">
             <a:avLst/>
           </a:prstGeom>
           <a:ln w="19050">
             <a:solidFill>
-              <a:schemeClr val="accent5">
+              <a:srgbClr val="0070C0"/>
+            </a:solidFill>
+            <a:tailEnd type="arrow"/>
+          </a:ln>
+        </p:spPr>
+        <p:style>
+          <a:lnRef idx="1">
+            <a:schemeClr val="accent1"/>
+          </a:lnRef>
+          <a:fillRef idx="0">
+            <a:schemeClr val="accent1"/>
+          </a:fillRef>
+          <a:effectRef idx="0">
+            <a:schemeClr val="accent1"/>
+          </a:effectRef>
+          <a:fontRef idx="minor">
+            <a:schemeClr val="tx1"/>
+          </a:fontRef>
+        </p:style>
+      </p:cxnSp>
+      <p:cxnSp>
+        <p:nvCxnSpPr>
+          <p:cNvPr id="42" name="Straight Arrow Connector 41">
+            <a:extLst>
+              <a:ext uri="{FF2B5EF4-FFF2-40B4-BE49-F238E27FC236}">
+                <a16:creationId xmlns:a16="http://schemas.microsoft.com/office/drawing/2014/main" id="{9CAB33B9-3BF4-40DD-8AEB-E6CAD5D58542}"/>
+              </a:ext>
+            </a:extLst>
+          </p:cNvPr>
+          <p:cNvCxnSpPr>
+            <a:cxnSpLocks/>
+          </p:cNvCxnSpPr>
+          <p:nvPr/>
+        </p:nvCxnSpPr>
+        <p:spPr>
+          <a:xfrm>
+            <a:off x="3952398" y="2514600"/>
+            <a:ext cx="4308454" cy="0"/>
+          </a:xfrm>
+          <a:prstGeom prst="straightConnector1">
+            <a:avLst/>
+          </a:prstGeom>
+          <a:ln w="19050">
+            <a:solidFill>
+              <a:schemeClr val="accent6">
                 <a:lumMod val="75000"/>
               </a:schemeClr>
             </a:solidFill>
+            <a:prstDash val="sysDash"/>
             <a:headEnd type="arrow" w="med" len="med"/>
             <a:tailEnd type="none" w="med" len="med"/>
           </a:ln>
@@ -5599,14 +4739,20 @@
       </p:cxnSp>
       <p:sp>
         <p:nvSpPr>
-          <p:cNvPr id="50" name="TextBox 49"/>
+          <p:cNvPr id="44" name="TextBox 43">
+            <a:extLst>
+              <a:ext uri="{FF2B5EF4-FFF2-40B4-BE49-F238E27FC236}">
+                <a16:creationId xmlns:a16="http://schemas.microsoft.com/office/drawing/2014/main" id="{2AC2E368-EEFA-490E-8675-5ED8A80B8A0A}"/>
+              </a:ext>
+            </a:extLst>
+          </p:cNvPr>
           <p:cNvSpPr txBox="1"/>
           <p:nvPr/>
         </p:nvSpPr>
         <p:spPr>
           <a:xfrm>
-            <a:off x="1416276" y="5395369"/>
-            <a:ext cx="2659870" cy="215444"/>
+            <a:off x="4139832" y="1290821"/>
+            <a:ext cx="1424846" cy="215444"/>
           </a:xfrm>
           <a:prstGeom prst="rect">
             <a:avLst/>
@@ -5620,448 +4766,15 @@
           <a:lstStyle/>
           <a:p>
             <a:r>
-              <a:rPr lang="en-US" sz="1400" dirty="0" err="1" smtClean="0">
+              <a:rPr lang="en-US" sz="1400" dirty="0">
                 <a:solidFill>
-                  <a:srgbClr val="00B050"/>
-                </a:solidFill>
-              </a:rPr>
-              <a:t>handleAddresssBookChangedEvent</a:t>
-            </a:r>
-            <a:r>
-              <a:rPr lang="en-US" sz="1400" dirty="0" smtClean="0">
-                <a:solidFill>
-                  <a:srgbClr val="00B050"/>
-                </a:solidFill>
-              </a:rPr>
-              <a:t>()</a:t>
-            </a:r>
-            <a:endParaRPr lang="en-US" sz="1400" dirty="0">
-              <a:solidFill>
-                <a:srgbClr val="00B050"/>
-              </a:solidFill>
-            </a:endParaRPr>
-          </a:p>
-        </p:txBody>
-      </p:sp>
-      <p:grpSp>
-        <p:nvGrpSpPr>
-          <p:cNvPr id="13" name="Group 12"/>
-          <p:cNvGrpSpPr/>
-          <p:nvPr/>
-        </p:nvGrpSpPr>
-        <p:grpSpPr>
-          <a:xfrm>
-            <a:off x="1028134" y="5612032"/>
-            <a:ext cx="217349" cy="270072"/>
-            <a:chOff x="1028134" y="5612032"/>
-            <a:chExt cx="217349" cy="270072"/>
-          </a:xfrm>
-        </p:grpSpPr>
-        <p:sp>
-          <p:nvSpPr>
-            <p:cNvPr id="12" name="Freeform 11"/>
-            <p:cNvSpPr/>
-            <p:nvPr/>
-          </p:nvSpPr>
-          <p:spPr>
-            <a:xfrm rot="2600998" flipH="1" flipV="1">
-              <a:off x="1028134" y="5612032"/>
-              <a:ext cx="167452" cy="116880"/>
-            </a:xfrm>
-            <a:custGeom>
-              <a:avLst/>
-              <a:gdLst>
-                <a:gd name="connsiteX0" fmla="*/ 0 w 226400"/>
-                <a:gd name="connsiteY0" fmla="*/ 32920 h 171466"/>
-                <a:gd name="connsiteX1" fmla="*/ 157018 w 226400"/>
-                <a:gd name="connsiteY1" fmla="*/ 5211 h 171466"/>
-                <a:gd name="connsiteX2" fmla="*/ 221673 w 226400"/>
-                <a:gd name="connsiteY2" fmla="*/ 125284 h 171466"/>
-                <a:gd name="connsiteX3" fmla="*/ 36945 w 226400"/>
-                <a:gd name="connsiteY3" fmla="*/ 171466 h 171466"/>
-              </a:gdLst>
-              <a:ahLst/>
-              <a:cxnLst>
-                <a:cxn ang="0">
-                  <a:pos x="connsiteX0" y="connsiteY0"/>
-                </a:cxn>
-                <a:cxn ang="0">
-                  <a:pos x="connsiteX1" y="connsiteY1"/>
-                </a:cxn>
-                <a:cxn ang="0">
-                  <a:pos x="connsiteX2" y="connsiteY2"/>
-                </a:cxn>
-                <a:cxn ang="0">
-                  <a:pos x="connsiteX3" y="connsiteY3"/>
-                </a:cxn>
-              </a:cxnLst>
-              <a:rect l="l" t="t" r="r" b="b"/>
-              <a:pathLst>
-                <a:path w="226400" h="171466">
-                  <a:moveTo>
-                    <a:pt x="0" y="32920"/>
-                  </a:moveTo>
-                  <a:cubicBezTo>
-                    <a:pt x="60036" y="11368"/>
-                    <a:pt x="120073" y="-10183"/>
-                    <a:pt x="157018" y="5211"/>
-                  </a:cubicBezTo>
-                  <a:cubicBezTo>
-                    <a:pt x="193963" y="20605"/>
-                    <a:pt x="241685" y="97575"/>
-                    <a:pt x="221673" y="125284"/>
-                  </a:cubicBezTo>
-                  <a:cubicBezTo>
-                    <a:pt x="201661" y="152993"/>
-                    <a:pt x="119303" y="162229"/>
-                    <a:pt x="36945" y="171466"/>
-                  </a:cubicBezTo>
-                </a:path>
-              </a:pathLst>
-            </a:custGeom>
-            <a:ln w="19050">
-              <a:solidFill>
-                <a:srgbClr val="00B050"/>
-              </a:solidFill>
-              <a:headEnd type="arrow" w="med" len="med"/>
-              <a:tailEnd type="none" w="med" len="med"/>
-            </a:ln>
-          </p:spPr>
-          <p:style>
-            <a:lnRef idx="1">
-              <a:schemeClr val="accent1"/>
-            </a:lnRef>
-            <a:fillRef idx="0">
-              <a:schemeClr val="accent1"/>
-            </a:fillRef>
-            <a:effectRef idx="0">
-              <a:schemeClr val="accent1"/>
-            </a:effectRef>
-            <a:fontRef idx="minor">
-              <a:schemeClr val="tx1"/>
-            </a:fontRef>
-          </p:style>
-          <p:txBody>
-            <a:bodyPr rtlCol="0" anchor="ctr"/>
-            <a:lstStyle/>
-            <a:p>
-              <a:pPr algn="ctr"/>
-              <a:endParaRPr lang="en-SG"/>
-            </a:p>
-          </p:txBody>
-        </p:sp>
-        <p:sp>
-          <p:nvSpPr>
-            <p:cNvPr id="56" name="Rectangle 55"/>
-            <p:cNvSpPr/>
-            <p:nvPr/>
-          </p:nvSpPr>
-          <p:spPr>
-            <a:xfrm>
-              <a:off x="1147403" y="5712513"/>
-              <a:ext cx="98080" cy="169591"/>
-            </a:xfrm>
-            <a:prstGeom prst="rect">
-              <a:avLst/>
-            </a:prstGeom>
-            <a:solidFill>
-              <a:srgbClr val="00B050"/>
-            </a:solidFill>
-            <a:ln>
-              <a:solidFill>
-                <a:schemeClr val="bg1"/>
-              </a:solidFill>
-            </a:ln>
-            <a:effectLst/>
-          </p:spPr>
-          <p:style>
-            <a:lnRef idx="1">
-              <a:schemeClr val="accent3"/>
-            </a:lnRef>
-            <a:fillRef idx="2">
-              <a:schemeClr val="accent3"/>
-            </a:fillRef>
-            <a:effectRef idx="1">
-              <a:schemeClr val="accent3"/>
-            </a:effectRef>
-            <a:fontRef idx="minor">
-              <a:schemeClr val="dk1"/>
-            </a:fontRef>
-          </p:style>
-          <p:txBody>
-            <a:bodyPr rtlCol="0" anchor="ctr"/>
-            <a:lstStyle/>
-            <a:p>
-              <a:pPr algn="ctr"/>
-              <a:endParaRPr lang="en-SG" sz="1400">
-                <a:solidFill>
-                  <a:schemeClr val="dk1"/>
-                </a:solidFill>
-              </a:endParaRPr>
-            </a:p>
-          </p:txBody>
-        </p:sp>
-      </p:grpSp>
-      <p:sp>
-        <p:nvSpPr>
-          <p:cNvPr id="57" name="TextBox 56"/>
-          <p:cNvSpPr txBox="1"/>
-          <p:nvPr/>
-        </p:nvSpPr>
-        <p:spPr>
-          <a:xfrm>
-            <a:off x="194562" y="5444571"/>
-            <a:ext cx="794081" cy="430887"/>
-          </a:xfrm>
-          <a:prstGeom prst="rect">
-            <a:avLst/>
-          </a:prstGeom>
-          <a:noFill/>
-        </p:spPr>
-        <p:txBody>
-          <a:bodyPr wrap="square" lIns="0" tIns="0" rIns="0" bIns="0" rtlCol="0">
-            <a:spAutoFit/>
-          </a:bodyPr>
-          <a:lstStyle/>
-          <a:p>
-            <a:pPr algn="r"/>
-            <a:r>
-              <a:rPr lang="en-US" sz="1400" dirty="0" smtClean="0">
-                <a:solidFill>
-                  <a:srgbClr val="00B050"/>
-                </a:solidFill>
-              </a:rPr>
-              <a:t>Update status bar</a:t>
-            </a:r>
-            <a:endParaRPr lang="en-US" sz="1400" dirty="0">
-              <a:solidFill>
-                <a:srgbClr val="00B050"/>
-              </a:solidFill>
-            </a:endParaRPr>
-          </a:p>
-        </p:txBody>
-      </p:sp>
-      <p:grpSp>
-        <p:nvGrpSpPr>
-          <p:cNvPr id="58" name="Group 57"/>
-          <p:cNvGrpSpPr/>
-          <p:nvPr/>
-        </p:nvGrpSpPr>
-        <p:grpSpPr>
-          <a:xfrm flipH="1">
-            <a:off x="7936842" y="5335662"/>
-            <a:ext cx="217349" cy="270072"/>
-            <a:chOff x="1028134" y="5612032"/>
-            <a:chExt cx="217349" cy="270072"/>
-          </a:xfrm>
-        </p:grpSpPr>
-        <p:sp>
-          <p:nvSpPr>
-            <p:cNvPr id="59" name="Freeform 58"/>
-            <p:cNvSpPr/>
-            <p:nvPr/>
-          </p:nvSpPr>
-          <p:spPr>
-            <a:xfrm rot="2600998" flipH="1" flipV="1">
-              <a:off x="1028134" y="5612032"/>
-              <a:ext cx="167452" cy="116880"/>
-            </a:xfrm>
-            <a:custGeom>
-              <a:avLst/>
-              <a:gdLst>
-                <a:gd name="connsiteX0" fmla="*/ 0 w 226400"/>
-                <a:gd name="connsiteY0" fmla="*/ 32920 h 171466"/>
-                <a:gd name="connsiteX1" fmla="*/ 157018 w 226400"/>
-                <a:gd name="connsiteY1" fmla="*/ 5211 h 171466"/>
-                <a:gd name="connsiteX2" fmla="*/ 221673 w 226400"/>
-                <a:gd name="connsiteY2" fmla="*/ 125284 h 171466"/>
-                <a:gd name="connsiteX3" fmla="*/ 36945 w 226400"/>
-                <a:gd name="connsiteY3" fmla="*/ 171466 h 171466"/>
-              </a:gdLst>
-              <a:ahLst/>
-              <a:cxnLst>
-                <a:cxn ang="0">
-                  <a:pos x="connsiteX0" y="connsiteY0"/>
-                </a:cxn>
-                <a:cxn ang="0">
-                  <a:pos x="connsiteX1" y="connsiteY1"/>
-                </a:cxn>
-                <a:cxn ang="0">
-                  <a:pos x="connsiteX2" y="connsiteY2"/>
-                </a:cxn>
-                <a:cxn ang="0">
-                  <a:pos x="connsiteX3" y="connsiteY3"/>
-                </a:cxn>
-              </a:cxnLst>
-              <a:rect l="l" t="t" r="r" b="b"/>
-              <a:pathLst>
-                <a:path w="226400" h="171466">
-                  <a:moveTo>
-                    <a:pt x="0" y="32920"/>
-                  </a:moveTo>
-                  <a:cubicBezTo>
-                    <a:pt x="60036" y="11368"/>
-                    <a:pt x="120073" y="-10183"/>
-                    <a:pt x="157018" y="5211"/>
-                  </a:cubicBezTo>
-                  <a:cubicBezTo>
-                    <a:pt x="193963" y="20605"/>
-                    <a:pt x="241685" y="97575"/>
-                    <a:pt x="221673" y="125284"/>
-                  </a:cubicBezTo>
-                  <a:cubicBezTo>
-                    <a:pt x="201661" y="152993"/>
-                    <a:pt x="119303" y="162229"/>
-                    <a:pt x="36945" y="171466"/>
-                  </a:cubicBezTo>
-                </a:path>
-              </a:pathLst>
-            </a:custGeom>
-            <a:ln w="19050">
-              <a:solidFill>
-                <a:schemeClr val="accent6">
-                  <a:lumMod val="75000"/>
-                </a:schemeClr>
-              </a:solidFill>
-              <a:headEnd type="arrow" w="med" len="med"/>
-              <a:tailEnd type="none" w="med" len="med"/>
-            </a:ln>
-          </p:spPr>
-          <p:style>
-            <a:lnRef idx="1">
-              <a:schemeClr val="accent1"/>
-            </a:lnRef>
-            <a:fillRef idx="0">
-              <a:schemeClr val="accent1"/>
-            </a:fillRef>
-            <a:effectRef idx="0">
-              <a:schemeClr val="accent1"/>
-            </a:effectRef>
-            <a:fontRef idx="minor">
-              <a:schemeClr val="tx1"/>
-            </a:fontRef>
-          </p:style>
-          <p:txBody>
-            <a:bodyPr rtlCol="0" anchor="ctr"/>
-            <a:lstStyle/>
-            <a:p>
-              <a:pPr algn="ctr"/>
-              <a:endParaRPr lang="en-SG"/>
-            </a:p>
-          </p:txBody>
-        </p:sp>
-        <p:sp>
-          <p:nvSpPr>
-            <p:cNvPr id="60" name="Rectangle 59"/>
-            <p:cNvSpPr/>
-            <p:nvPr/>
-          </p:nvSpPr>
-          <p:spPr>
-            <a:xfrm>
-              <a:off x="1147403" y="5712513"/>
-              <a:ext cx="98080" cy="169591"/>
-            </a:xfrm>
-            <a:prstGeom prst="rect">
-              <a:avLst/>
-            </a:prstGeom>
-            <a:solidFill>
-              <a:schemeClr val="accent6">
-                <a:lumMod val="75000"/>
-              </a:schemeClr>
-            </a:solidFill>
-            <a:ln>
-              <a:solidFill>
-                <a:schemeClr val="bg1"/>
-              </a:solidFill>
-            </a:ln>
-            <a:effectLst/>
-          </p:spPr>
-          <p:style>
-            <a:lnRef idx="1">
-              <a:schemeClr val="accent3"/>
-            </a:lnRef>
-            <a:fillRef idx="2">
-              <a:schemeClr val="accent3"/>
-            </a:fillRef>
-            <a:effectRef idx="1">
-              <a:schemeClr val="accent3"/>
-            </a:effectRef>
-            <a:fontRef idx="minor">
-              <a:schemeClr val="dk1"/>
-            </a:fontRef>
-          </p:style>
-          <p:txBody>
-            <a:bodyPr rtlCol="0" anchor="ctr"/>
-            <a:lstStyle/>
-            <a:p>
-              <a:pPr algn="ctr"/>
-              <a:endParaRPr lang="en-SG" sz="1400">
-                <a:solidFill>
-                  <a:schemeClr val="dk1"/>
-                </a:solidFill>
-              </a:endParaRPr>
-            </a:p>
-          </p:txBody>
-        </p:sp>
-      </p:grpSp>
-      <p:sp>
-        <p:nvSpPr>
-          <p:cNvPr id="61" name="TextBox 60"/>
-          <p:cNvSpPr txBox="1"/>
-          <p:nvPr/>
-        </p:nvSpPr>
-        <p:spPr>
-          <a:xfrm>
-            <a:off x="8223953" y="5180992"/>
-            <a:ext cx="539047" cy="430887"/>
-          </a:xfrm>
-          <a:prstGeom prst="rect">
-            <a:avLst/>
-          </a:prstGeom>
-          <a:noFill/>
-        </p:spPr>
-        <p:txBody>
-          <a:bodyPr wrap="square" lIns="0" tIns="0" rIns="0" bIns="0" rtlCol="0">
-            <a:spAutoFit/>
-          </a:bodyPr>
-          <a:lstStyle/>
-          <a:p>
-            <a:r>
-              <a:rPr lang="en-US" sz="1400" dirty="0" smtClean="0">
-                <a:solidFill>
-                  <a:schemeClr val="accent6">
-                    <a:lumMod val="75000"/>
+                  <a:schemeClr val="accent3">
+                    <a:lumMod val="50000"/>
                   </a:schemeClr>
                 </a:solidFill>
               </a:rPr>
-              <a:t>Save </a:t>
-            </a:r>
-            <a:br>
-              <a:rPr lang="en-US" sz="1400" dirty="0" smtClean="0">
-                <a:solidFill>
-                  <a:schemeClr val="accent6">
-                    <a:lumMod val="75000"/>
-                  </a:schemeClr>
-                </a:solidFill>
-              </a:rPr>
-            </a:br>
-            <a:r>
-              <a:rPr lang="en-US" sz="1400" dirty="0" smtClean="0">
-                <a:solidFill>
-                  <a:schemeClr val="accent6">
-                    <a:lumMod val="75000"/>
-                  </a:schemeClr>
-                </a:solidFill>
-              </a:rPr>
-              <a:t>to file</a:t>
-            </a:r>
-            <a:endParaRPr lang="en-US" sz="1400" dirty="0">
-              <a:solidFill>
-                <a:schemeClr val="accent6">
-                  <a:lumMod val="75000"/>
-                </a:schemeClr>
-              </a:solidFill>
-            </a:endParaRPr>
+              <a:t>parse(“delete 1”)</a:t>
+            </a:r>
           </a:p>
         </p:txBody>
       </p:sp>
